--- a/progettomatlab.pptx
+++ b/progettomatlab.pptx
@@ -114,6 +114,11 @@
       </a:defRPr>
     </a:lvl9pPr>
   </p:defaultTextStyle>
+  <p:extLst>
+    <p:ext uri="{EFAFB233-063F-42B5-8137-9DF3F51BA10A}">
+      <p15:sldGuideLst xmlns:p15="http://schemas.microsoft.com/office/powerpoint/2012/main"/>
+    </p:ext>
+  </p:extLst>
 </p:presentation>
 </file>
 
@@ -287,7 +292,7 @@
           <a:p>
             <a:fld id="{465CFDFA-CF26-42CF-9DDE-37B2F708C550}" type="datetimeFigureOut">
               <a:rPr lang="it-IT" smtClean="0"/>
-              <a:t>23/04/2019</a:t>
+              <a:t>24/04/2019</a:t>
             </a:fld>
             <a:endParaRPr lang="it-IT"/>
           </a:p>
@@ -554,7 +559,7 @@
           <a:p>
             <a:fld id="{465CFDFA-CF26-42CF-9DDE-37B2F708C550}" type="datetimeFigureOut">
               <a:rPr lang="it-IT" smtClean="0"/>
-              <a:t>23/04/2019</a:t>
+              <a:t>24/04/2019</a:t>
             </a:fld>
             <a:endParaRPr lang="it-IT"/>
           </a:p>
@@ -785,7 +790,7 @@
           <a:p>
             <a:fld id="{465CFDFA-CF26-42CF-9DDE-37B2F708C550}" type="datetimeFigureOut">
               <a:rPr lang="it-IT" smtClean="0"/>
-              <a:t>23/04/2019</a:t>
+              <a:t>24/04/2019</a:t>
             </a:fld>
             <a:endParaRPr lang="it-IT"/>
           </a:p>
@@ -1095,7 +1100,7 @@
           <a:p>
             <a:fld id="{465CFDFA-CF26-42CF-9DDE-37B2F708C550}" type="datetimeFigureOut">
               <a:rPr lang="it-IT" smtClean="0"/>
-              <a:t>23/04/2019</a:t>
+              <a:t>24/04/2019</a:t>
             </a:fld>
             <a:endParaRPr lang="it-IT"/>
           </a:p>
@@ -1568,7 +1573,7 @@
           <a:p>
             <a:fld id="{465CFDFA-CF26-42CF-9DDE-37B2F708C550}" type="datetimeFigureOut">
               <a:rPr lang="it-IT" smtClean="0"/>
-              <a:t>23/04/2019</a:t>
+              <a:t>24/04/2019</a:t>
             </a:fld>
             <a:endParaRPr lang="it-IT"/>
           </a:p>
@@ -2115,7 +2120,7 @@
           <a:p>
             <a:fld id="{465CFDFA-CF26-42CF-9DDE-37B2F708C550}" type="datetimeFigureOut">
               <a:rPr lang="it-IT" smtClean="0"/>
-              <a:t>23/04/2019</a:t>
+              <a:t>24/04/2019</a:t>
             </a:fld>
             <a:endParaRPr lang="it-IT"/>
           </a:p>
@@ -2889,7 +2894,7 @@
           <a:p>
             <a:fld id="{465CFDFA-CF26-42CF-9DDE-37B2F708C550}" type="datetimeFigureOut">
               <a:rPr lang="it-IT" smtClean="0"/>
-              <a:t>23/04/2019</a:t>
+              <a:t>24/04/2019</a:t>
             </a:fld>
             <a:endParaRPr lang="it-IT"/>
           </a:p>
@@ -3064,7 +3069,7 @@
           <a:p>
             <a:fld id="{465CFDFA-CF26-42CF-9DDE-37B2F708C550}" type="datetimeFigureOut">
               <a:rPr lang="it-IT" smtClean="0"/>
-              <a:t>23/04/2019</a:t>
+              <a:t>24/04/2019</a:t>
             </a:fld>
             <a:endParaRPr lang="it-IT"/>
           </a:p>
@@ -3287,7 +3292,7 @@
           <a:p>
             <a:fld id="{465CFDFA-CF26-42CF-9DDE-37B2F708C550}" type="datetimeFigureOut">
               <a:rPr lang="it-IT" smtClean="0"/>
-              <a:t>23/04/2019</a:t>
+              <a:t>24/04/2019</a:t>
             </a:fld>
             <a:endParaRPr lang="it-IT"/>
           </a:p>
@@ -3467,7 +3472,7 @@
           <a:p>
             <a:fld id="{465CFDFA-CF26-42CF-9DDE-37B2F708C550}" type="datetimeFigureOut">
               <a:rPr lang="it-IT" smtClean="0"/>
-              <a:t>23/04/2019</a:t>
+              <a:t>24/04/2019</a:t>
             </a:fld>
             <a:endParaRPr lang="it-IT"/>
           </a:p>
@@ -3756,7 +3761,7 @@
           <a:p>
             <a:fld id="{465CFDFA-CF26-42CF-9DDE-37B2F708C550}" type="datetimeFigureOut">
               <a:rPr lang="it-IT" smtClean="0"/>
-              <a:t>23/04/2019</a:t>
+              <a:t>24/04/2019</a:t>
             </a:fld>
             <a:endParaRPr lang="it-IT"/>
           </a:p>
@@ -3998,7 +4003,7 @@
           <a:p>
             <a:fld id="{465CFDFA-CF26-42CF-9DDE-37B2F708C550}" type="datetimeFigureOut">
               <a:rPr lang="it-IT" smtClean="0"/>
-              <a:t>23/04/2019</a:t>
+              <a:t>24/04/2019</a:t>
             </a:fld>
             <a:endParaRPr lang="it-IT"/>
           </a:p>
@@ -4382,7 +4387,7 @@
           <a:p>
             <a:fld id="{465CFDFA-CF26-42CF-9DDE-37B2F708C550}" type="datetimeFigureOut">
               <a:rPr lang="it-IT" smtClean="0"/>
-              <a:t>23/04/2019</a:t>
+              <a:t>24/04/2019</a:t>
             </a:fld>
             <a:endParaRPr lang="it-IT"/>
           </a:p>
@@ -4505,7 +4510,7 @@
           <a:p>
             <a:fld id="{465CFDFA-CF26-42CF-9DDE-37B2F708C550}" type="datetimeFigureOut">
               <a:rPr lang="it-IT" smtClean="0"/>
-              <a:t>23/04/2019</a:t>
+              <a:t>24/04/2019</a:t>
             </a:fld>
             <a:endParaRPr lang="it-IT"/>
           </a:p>
@@ -4600,7 +4605,7 @@
           <a:p>
             <a:fld id="{465CFDFA-CF26-42CF-9DDE-37B2F708C550}" type="datetimeFigureOut">
               <a:rPr lang="it-IT" smtClean="0"/>
-              <a:t>23/04/2019</a:t>
+              <a:t>24/04/2019</a:t>
             </a:fld>
             <a:endParaRPr lang="it-IT"/>
           </a:p>
@@ -4849,7 +4854,7 @@
           <a:p>
             <a:fld id="{465CFDFA-CF26-42CF-9DDE-37B2F708C550}" type="datetimeFigureOut">
               <a:rPr lang="it-IT" smtClean="0"/>
-              <a:t>23/04/2019</a:t>
+              <a:t>24/04/2019</a:t>
             </a:fld>
             <a:endParaRPr lang="it-IT"/>
           </a:p>
@@ -5111,7 +5116,7 @@
           <a:p>
             <a:fld id="{465CFDFA-CF26-42CF-9DDE-37B2F708C550}" type="datetimeFigureOut">
               <a:rPr lang="it-IT" smtClean="0"/>
-              <a:t>23/04/2019</a:t>
+              <a:t>24/04/2019</a:t>
             </a:fld>
             <a:endParaRPr lang="it-IT"/>
           </a:p>
@@ -5354,7 +5359,7 @@
           <a:p>
             <a:fld id="{465CFDFA-CF26-42CF-9DDE-37B2F708C550}" type="datetimeFigureOut">
               <a:rPr lang="it-IT" smtClean="0"/>
-              <a:t>23/04/2019</a:t>
+              <a:t>24/04/2019</a:t>
             </a:fld>
             <a:endParaRPr lang="it-IT"/>
           </a:p>
@@ -6056,12 +6061,58 @@
           </a:prstGeom>
         </p:spPr>
       </p:pic>
+      <p:sp>
+        <p:nvSpPr>
+          <p:cNvPr id="17" name="CasellaDiTesto 16">
+            <a:extLst>
+              <a:ext uri="{FF2B5EF4-FFF2-40B4-BE49-F238E27FC236}">
+                <a16:creationId xmlns:a16="http://schemas.microsoft.com/office/drawing/2014/main" id="{AE3B34D6-F72E-4BF8-ABF6-D22863CAA192}"/>
+              </a:ext>
+            </a:extLst>
+          </p:cNvPr>
+          <p:cNvSpPr txBox="1"/>
+          <p:nvPr/>
+        </p:nvSpPr>
+        <p:spPr>
+          <a:xfrm>
+            <a:off x="409575" y="1389380"/>
+            <a:ext cx="3683593" cy="1107996"/>
+          </a:xfrm>
+          <a:prstGeom prst="rect">
+            <a:avLst/>
+          </a:prstGeom>
+          <a:noFill/>
+        </p:spPr>
+        <p:txBody>
+          <a:bodyPr wrap="square" rtlCol="0">
+            <a:spAutoFit/>
+          </a:bodyPr>
+          <a:lstStyle/>
+          <a:p>
+            <a:r>
+              <a:rPr lang="it-IT" sz="6600" dirty="0">
+                <a:solidFill>
+                  <a:srgbClr val="FF0000"/>
+                </a:solidFill>
+                <a:effectLst>
+                  <a:outerShdw blurRad="38100" dist="38100" dir="2700000" algn="tl">
+                    <a:srgbClr val="000000">
+                      <a:alpha val="43137"/>
+                    </a:srgbClr>
+                  </a:outerShdw>
+                </a:effectLst>
+              </a:rPr>
+              <a:t>TEST AIC</a:t>
+            </a:r>
+          </a:p>
+        </p:txBody>
+      </p:sp>
       <p:pic>
         <p:nvPicPr>
-          <p:cNvPr id="16" name="Immagine 15" descr="Immagine che contiene testo, mappa&#10;&#10;Descrizione generata automaticamente">
+          <p:cNvPr id="8" name="Immagine 7">
             <a:extLst>
               <a:ext uri="{FF2B5EF4-FFF2-40B4-BE49-F238E27FC236}">
-                <a16:creationId xmlns:a16="http://schemas.microsoft.com/office/drawing/2014/main" id="{9FF0D5DD-078D-4E68-BB7F-6171E4011BA7}"/>
+                <a16:creationId xmlns:a16="http://schemas.microsoft.com/office/drawing/2014/main" id="{68E5F57A-6190-4047-9888-F7D81B6F5DE6}"/>
               </a:ext>
             </a:extLst>
           </p:cNvPr>
@@ -6084,60 +6135,14 @@
         </p:blipFill>
         <p:spPr>
           <a:xfrm>
-            <a:off x="4326719" y="1158441"/>
-            <a:ext cx="7455706" cy="3816169"/>
+            <a:off x="4572000" y="1579418"/>
+            <a:ext cx="7210425" cy="3640574"/>
           </a:xfrm>
           <a:prstGeom prst="rect">
             <a:avLst/>
           </a:prstGeom>
         </p:spPr>
       </p:pic>
-      <p:sp>
-        <p:nvSpPr>
-          <p:cNvPr id="17" name="CasellaDiTesto 16">
-            <a:extLst>
-              <a:ext uri="{FF2B5EF4-FFF2-40B4-BE49-F238E27FC236}">
-                <a16:creationId xmlns:a16="http://schemas.microsoft.com/office/drawing/2014/main" id="{AE3B34D6-F72E-4BF8-ABF6-D22863CAA192}"/>
-              </a:ext>
-            </a:extLst>
-          </p:cNvPr>
-          <p:cNvSpPr txBox="1"/>
-          <p:nvPr/>
-        </p:nvSpPr>
-        <p:spPr>
-          <a:xfrm>
-            <a:off x="409575" y="1389380"/>
-            <a:ext cx="3683593" cy="1107996"/>
-          </a:xfrm>
-          <a:prstGeom prst="rect">
-            <a:avLst/>
-          </a:prstGeom>
-          <a:noFill/>
-        </p:spPr>
-        <p:txBody>
-          <a:bodyPr wrap="square" rtlCol="0">
-            <a:spAutoFit/>
-          </a:bodyPr>
-          <a:lstStyle/>
-          <a:p>
-            <a:r>
-              <a:rPr lang="it-IT" sz="6600" dirty="0">
-                <a:solidFill>
-                  <a:srgbClr val="FF0000"/>
-                </a:solidFill>
-                <a:effectLst>
-                  <a:outerShdw blurRad="38100" dist="38100" dir="2700000" algn="tl">
-                    <a:srgbClr val="000000">
-                      <a:alpha val="43137"/>
-                    </a:srgbClr>
-                  </a:outerShdw>
-                </a:effectLst>
-              </a:rPr>
-              <a:t>TEST AIC</a:t>
-            </a:r>
-          </a:p>
-        </p:txBody>
-      </p:sp>
     </p:spTree>
     <p:extLst>
       <p:ext uri="{BB962C8B-B14F-4D97-AF65-F5344CB8AC3E}">
@@ -6203,12 +6208,58 @@
           </a:prstGeom>
         </p:spPr>
       </p:pic>
+      <p:sp>
+        <p:nvSpPr>
+          <p:cNvPr id="10" name="CasellaDiTesto 9">
+            <a:extLst>
+              <a:ext uri="{FF2B5EF4-FFF2-40B4-BE49-F238E27FC236}">
+                <a16:creationId xmlns:a16="http://schemas.microsoft.com/office/drawing/2014/main" id="{A0F8E7F3-F9E4-4092-96A1-56EE6BEDAFAF}"/>
+              </a:ext>
+            </a:extLst>
+          </p:cNvPr>
+          <p:cNvSpPr txBox="1"/>
+          <p:nvPr/>
+        </p:nvSpPr>
+        <p:spPr>
+          <a:xfrm>
+            <a:off x="5462687" y="371475"/>
+            <a:ext cx="6096000" cy="830997"/>
+          </a:xfrm>
+          <a:prstGeom prst="rect">
+            <a:avLst/>
+          </a:prstGeom>
+          <a:noFill/>
+        </p:spPr>
+        <p:txBody>
+          <a:bodyPr wrap="square" rtlCol="0">
+            <a:spAutoFit/>
+          </a:bodyPr>
+          <a:lstStyle/>
+          <a:p>
+            <a:r>
+              <a:rPr lang="it-IT" sz="4800" dirty="0">
+                <a:solidFill>
+                  <a:srgbClr val="FF0000"/>
+                </a:solidFill>
+                <a:effectLst>
+                  <a:outerShdw blurRad="38100" dist="38100" dir="2700000" algn="tl">
+                    <a:srgbClr val="000000">
+                      <a:alpha val="43137"/>
+                    </a:srgbClr>
+                  </a:outerShdw>
+                </a:effectLst>
+              </a:rPr>
+              <a:t>DETRENDIZZAZIONE</a:t>
+            </a:r>
+          </a:p>
+        </p:txBody>
+      </p:sp>
       <p:pic>
         <p:nvPicPr>
-          <p:cNvPr id="5" name="Segnaposto contenuto 4" descr="Immagine che contiene testo, mappa&#10;&#10;Descrizione generata automaticamente">
+          <p:cNvPr id="6" name="Segnaposto contenuto 5">
             <a:extLst>
               <a:ext uri="{FF2B5EF4-FFF2-40B4-BE49-F238E27FC236}">
-                <a16:creationId xmlns:a16="http://schemas.microsoft.com/office/drawing/2014/main" id="{F734AEC1-3443-4AED-9E3D-3FEBB5FAAFBE}"/>
+                <a16:creationId xmlns:a16="http://schemas.microsoft.com/office/drawing/2014/main" id="{DE5CAAEF-67AD-4160-9C04-13AF1EE01E15}"/>
               </a:ext>
             </a:extLst>
           </p:cNvPr>
@@ -6233,57 +6284,11 @@
         </p:blipFill>
         <p:spPr>
           <a:xfrm>
-            <a:off x="5049302" y="2466975"/>
-            <a:ext cx="6991128" cy="3733800"/>
+            <a:off x="5015345" y="2729520"/>
+            <a:ext cx="7025085" cy="4024313"/>
           </a:xfrm>
         </p:spPr>
       </p:pic>
-      <p:sp>
-        <p:nvSpPr>
-          <p:cNvPr id="10" name="CasellaDiTesto 9">
-            <a:extLst>
-              <a:ext uri="{FF2B5EF4-FFF2-40B4-BE49-F238E27FC236}">
-                <a16:creationId xmlns:a16="http://schemas.microsoft.com/office/drawing/2014/main" id="{A0F8E7F3-F9E4-4092-96A1-56EE6BEDAFAF}"/>
-              </a:ext>
-            </a:extLst>
-          </p:cNvPr>
-          <p:cNvSpPr txBox="1"/>
-          <p:nvPr/>
-        </p:nvSpPr>
-        <p:spPr>
-          <a:xfrm>
-            <a:off x="5462687" y="371475"/>
-            <a:ext cx="6096000" cy="830997"/>
-          </a:xfrm>
-          <a:prstGeom prst="rect">
-            <a:avLst/>
-          </a:prstGeom>
-          <a:noFill/>
-        </p:spPr>
-        <p:txBody>
-          <a:bodyPr wrap="square" rtlCol="0">
-            <a:spAutoFit/>
-          </a:bodyPr>
-          <a:lstStyle/>
-          <a:p>
-            <a:r>
-              <a:rPr lang="it-IT" sz="4800" dirty="0">
-                <a:solidFill>
-                  <a:srgbClr val="FF0000"/>
-                </a:solidFill>
-                <a:effectLst>
-                  <a:outerShdw blurRad="38100" dist="38100" dir="2700000" algn="tl">
-                    <a:srgbClr val="000000">
-                      <a:alpha val="43137"/>
-                    </a:srgbClr>
-                  </a:outerShdw>
-                </a:effectLst>
-              </a:rPr>
-              <a:t>DETRENDIZZAZIONE</a:t>
-            </a:r>
-          </a:p>
-        </p:txBody>
-      </p:sp>
     </p:spTree>
     <p:extLst>
       <p:ext uri="{BB962C8B-B14F-4D97-AF65-F5344CB8AC3E}">
@@ -7282,7 +7287,7 @@
         </p:blipFill>
         <p:spPr>
           <a:xfrm>
-            <a:off x="39086" y="1792949"/>
+            <a:off x="11377" y="1792949"/>
             <a:ext cx="11705873" cy="1388401"/>
           </a:xfrm>
           <a:prstGeom prst="rect">
@@ -7290,12 +7295,58 @@
           </a:prstGeom>
         </p:spPr>
       </p:pic>
+      <p:sp>
+        <p:nvSpPr>
+          <p:cNvPr id="8" name="CasellaDiTesto 7">
+            <a:extLst>
+              <a:ext uri="{FF2B5EF4-FFF2-40B4-BE49-F238E27FC236}">
+                <a16:creationId xmlns:a16="http://schemas.microsoft.com/office/drawing/2014/main" id="{349BB811-5190-43F5-BCCB-A62C64B894CE}"/>
+              </a:ext>
+            </a:extLst>
+          </p:cNvPr>
+          <p:cNvSpPr txBox="1"/>
+          <p:nvPr/>
+        </p:nvSpPr>
+        <p:spPr>
+          <a:xfrm>
+            <a:off x="3324781" y="666677"/>
+            <a:ext cx="6261653" cy="830997"/>
+          </a:xfrm>
+          <a:prstGeom prst="rect">
+            <a:avLst/>
+          </a:prstGeom>
+          <a:noFill/>
+        </p:spPr>
+        <p:txBody>
+          <a:bodyPr wrap="square" rtlCol="0">
+            <a:spAutoFit/>
+          </a:bodyPr>
+          <a:lstStyle/>
+          <a:p>
+            <a:r>
+              <a:rPr lang="it-IT" sz="4800" dirty="0">
+                <a:solidFill>
+                  <a:srgbClr val="FF0000"/>
+                </a:solidFill>
+                <a:effectLst>
+                  <a:outerShdw blurRad="38100" dist="38100" dir="2700000" algn="tl">
+                    <a:srgbClr val="000000">
+                      <a:alpha val="43137"/>
+                    </a:srgbClr>
+                  </a:outerShdw>
+                </a:effectLst>
+              </a:rPr>
+              <a:t>CONFRONTO SSR </a:t>
+            </a:r>
+          </a:p>
+        </p:txBody>
+      </p:sp>
       <p:pic>
         <p:nvPicPr>
-          <p:cNvPr id="5" name="Segnaposto contenuto 4" descr="Immagine che contiene mappa, testo&#10;&#10;Descrizione generata automaticamente">
+          <p:cNvPr id="6" name="Segnaposto contenuto 5">
             <a:extLst>
               <a:ext uri="{FF2B5EF4-FFF2-40B4-BE49-F238E27FC236}">
-                <a16:creationId xmlns:a16="http://schemas.microsoft.com/office/drawing/2014/main" id="{CCCFB694-7F45-4D3C-AEE8-01BEB01EFDC8}"/>
+                <a16:creationId xmlns:a16="http://schemas.microsoft.com/office/drawing/2014/main" id="{5E66F7E2-A48B-47EB-B80E-88D2B94F7B69}"/>
               </a:ext>
             </a:extLst>
           </p:cNvPr>
@@ -7320,57 +7371,11 @@
         </p:blipFill>
         <p:spPr>
           <a:xfrm>
-            <a:off x="4830367" y="3029678"/>
-            <a:ext cx="6914593" cy="3603724"/>
+            <a:off x="2793803" y="3479944"/>
+            <a:ext cx="7323607" cy="3378056"/>
           </a:xfrm>
         </p:spPr>
       </p:pic>
-      <p:sp>
-        <p:nvSpPr>
-          <p:cNvPr id="8" name="CasellaDiTesto 7">
-            <a:extLst>
-              <a:ext uri="{FF2B5EF4-FFF2-40B4-BE49-F238E27FC236}">
-                <a16:creationId xmlns:a16="http://schemas.microsoft.com/office/drawing/2014/main" id="{349BB811-5190-43F5-BCCB-A62C64B894CE}"/>
-              </a:ext>
-            </a:extLst>
-          </p:cNvPr>
-          <p:cNvSpPr txBox="1"/>
-          <p:nvPr/>
-        </p:nvSpPr>
-        <p:spPr>
-          <a:xfrm>
-            <a:off x="3324781" y="666677"/>
-            <a:ext cx="6261653" cy="830997"/>
-          </a:xfrm>
-          <a:prstGeom prst="rect">
-            <a:avLst/>
-          </a:prstGeom>
-          <a:noFill/>
-        </p:spPr>
-        <p:txBody>
-          <a:bodyPr wrap="square" rtlCol="0">
-            <a:spAutoFit/>
-          </a:bodyPr>
-          <a:lstStyle/>
-          <a:p>
-            <a:r>
-              <a:rPr lang="it-IT" sz="4800" dirty="0">
-                <a:solidFill>
-                  <a:srgbClr val="FF0000"/>
-                </a:solidFill>
-                <a:effectLst>
-                  <a:outerShdw blurRad="38100" dist="38100" dir="2700000" algn="tl">
-                    <a:srgbClr val="000000">
-                      <a:alpha val="43137"/>
-                    </a:srgbClr>
-                  </a:outerShdw>
-                </a:effectLst>
-              </a:rPr>
-              <a:t>CONFRONTO SSR </a:t>
-            </a:r>
-          </a:p>
-        </p:txBody>
-      </p:sp>
     </p:spTree>
     <p:extLst>
       <p:ext uri="{BB962C8B-B14F-4D97-AF65-F5344CB8AC3E}">

--- a/progettomatlab.pptx
+++ b/progettomatlab.pptx
@@ -5,17 +5,24 @@
     <p:sldMasterId id="2147484085" r:id="rId1"/>
   </p:sldMasterIdLst>
   <p:sldIdLst>
-    <p:sldId id="256" r:id="rId2"/>
+    <p:sldId id="280" r:id="rId2"/>
     <p:sldId id="257" r:id="rId3"/>
-    <p:sldId id="258" r:id="rId4"/>
-    <p:sldId id="259" r:id="rId5"/>
-    <p:sldId id="260" r:id="rId6"/>
-    <p:sldId id="264" r:id="rId7"/>
-    <p:sldId id="267" r:id="rId8"/>
-    <p:sldId id="261" r:id="rId9"/>
-    <p:sldId id="263" r:id="rId10"/>
-    <p:sldId id="265" r:id="rId11"/>
-    <p:sldId id="266" r:id="rId12"/>
+    <p:sldId id="275" r:id="rId4"/>
+    <p:sldId id="258" r:id="rId5"/>
+    <p:sldId id="268" r:id="rId6"/>
+    <p:sldId id="260" r:id="rId7"/>
+    <p:sldId id="259" r:id="rId8"/>
+    <p:sldId id="272" r:id="rId9"/>
+    <p:sldId id="267" r:id="rId10"/>
+    <p:sldId id="266" r:id="rId11"/>
+    <p:sldId id="270" r:id="rId12"/>
+    <p:sldId id="261" r:id="rId13"/>
+    <p:sldId id="271" r:id="rId14"/>
+    <p:sldId id="274" r:id="rId15"/>
+    <p:sldId id="276" r:id="rId16"/>
+    <p:sldId id="277" r:id="rId17"/>
+    <p:sldId id="278" r:id="rId18"/>
+    <p:sldId id="279" r:id="rId19"/>
   </p:sldIdLst>
   <p:sldSz cx="12192000" cy="6858000"/>
   <p:notesSz cx="6858000" cy="9144000"/>
@@ -122,6 +129,18 @@
 </p:presentation>
 </file>
 
+<file path=ppt/commentAuthors.xml><?xml version="1.0" encoding="utf-8"?>
+<p:cmAuthorLst xmlns:a="http://schemas.openxmlformats.org/drawingml/2006/main" xmlns:r="http://schemas.openxmlformats.org/officeDocument/2006/relationships" xmlns:p="http://schemas.openxmlformats.org/presentationml/2006/main">
+  <p:cmAuthor id="1" name="Noemi Cardillo" initials="NC" lastIdx="3" clrIdx="0">
+    <p:extLst>
+      <p:ext uri="{19B8F6BF-5375-455C-9EA6-DF929625EA0E}">
+        <p15:presenceInfo xmlns:p15="http://schemas.microsoft.com/office/powerpoint/2012/main" userId="c580daf31ff3d4b5" providerId="Windows Live"/>
+      </p:ext>
+    </p:extLst>
+  </p:cmAuthor>
+</p:cmAuthorLst>
+</file>
+
 <file path=ppt/slideLayouts/slideLayout1.xml><?xml version="1.0" encoding="utf-8"?>
 <p:sldLayout xmlns:a="http://schemas.openxmlformats.org/drawingml/2006/main" xmlns:r="http://schemas.openxmlformats.org/officeDocument/2006/relationships" xmlns:p="http://schemas.openxmlformats.org/presentationml/2006/main" type="title" preserve="1">
   <p:cSld name="Diapositiva titolo">
@@ -292,7 +311,7 @@
           <a:p>
             <a:fld id="{465CFDFA-CF26-42CF-9DDE-37B2F708C550}" type="datetimeFigureOut">
               <a:rPr lang="it-IT" smtClean="0"/>
-              <a:t>24/04/2019</a:t>
+              <a:t>06/05/2019</a:t>
             </a:fld>
             <a:endParaRPr lang="it-IT"/>
           </a:p>
@@ -559,7 +578,7 @@
           <a:p>
             <a:fld id="{465CFDFA-CF26-42CF-9DDE-37B2F708C550}" type="datetimeFigureOut">
               <a:rPr lang="it-IT" smtClean="0"/>
-              <a:t>24/04/2019</a:t>
+              <a:t>06/05/2019</a:t>
             </a:fld>
             <a:endParaRPr lang="it-IT"/>
           </a:p>
@@ -790,7 +809,7 @@
           <a:p>
             <a:fld id="{465CFDFA-CF26-42CF-9DDE-37B2F708C550}" type="datetimeFigureOut">
               <a:rPr lang="it-IT" smtClean="0"/>
-              <a:t>24/04/2019</a:t>
+              <a:t>06/05/2019</a:t>
             </a:fld>
             <a:endParaRPr lang="it-IT"/>
           </a:p>
@@ -1100,7 +1119,7 @@
           <a:p>
             <a:fld id="{465CFDFA-CF26-42CF-9DDE-37B2F708C550}" type="datetimeFigureOut">
               <a:rPr lang="it-IT" smtClean="0"/>
-              <a:t>24/04/2019</a:t>
+              <a:t>06/05/2019</a:t>
             </a:fld>
             <a:endParaRPr lang="it-IT"/>
           </a:p>
@@ -1573,7 +1592,7 @@
           <a:p>
             <a:fld id="{465CFDFA-CF26-42CF-9DDE-37B2F708C550}" type="datetimeFigureOut">
               <a:rPr lang="it-IT" smtClean="0"/>
-              <a:t>24/04/2019</a:t>
+              <a:t>06/05/2019</a:t>
             </a:fld>
             <a:endParaRPr lang="it-IT"/>
           </a:p>
@@ -2120,7 +2139,7 @@
           <a:p>
             <a:fld id="{465CFDFA-CF26-42CF-9DDE-37B2F708C550}" type="datetimeFigureOut">
               <a:rPr lang="it-IT" smtClean="0"/>
-              <a:t>24/04/2019</a:t>
+              <a:t>06/05/2019</a:t>
             </a:fld>
             <a:endParaRPr lang="it-IT"/>
           </a:p>
@@ -2894,7 +2913,7 @@
           <a:p>
             <a:fld id="{465CFDFA-CF26-42CF-9DDE-37B2F708C550}" type="datetimeFigureOut">
               <a:rPr lang="it-IT" smtClean="0"/>
-              <a:t>24/04/2019</a:t>
+              <a:t>06/05/2019</a:t>
             </a:fld>
             <a:endParaRPr lang="it-IT"/>
           </a:p>
@@ -3069,7 +3088,7 @@
           <a:p>
             <a:fld id="{465CFDFA-CF26-42CF-9DDE-37B2F708C550}" type="datetimeFigureOut">
               <a:rPr lang="it-IT" smtClean="0"/>
-              <a:t>24/04/2019</a:t>
+              <a:t>06/05/2019</a:t>
             </a:fld>
             <a:endParaRPr lang="it-IT"/>
           </a:p>
@@ -3292,7 +3311,7 @@
           <a:p>
             <a:fld id="{465CFDFA-CF26-42CF-9DDE-37B2F708C550}" type="datetimeFigureOut">
               <a:rPr lang="it-IT" smtClean="0"/>
-              <a:t>24/04/2019</a:t>
+              <a:t>06/05/2019</a:t>
             </a:fld>
             <a:endParaRPr lang="it-IT"/>
           </a:p>
@@ -3472,7 +3491,7 @@
           <a:p>
             <a:fld id="{465CFDFA-CF26-42CF-9DDE-37B2F708C550}" type="datetimeFigureOut">
               <a:rPr lang="it-IT" smtClean="0"/>
-              <a:t>24/04/2019</a:t>
+              <a:t>06/05/2019</a:t>
             </a:fld>
             <a:endParaRPr lang="it-IT"/>
           </a:p>
@@ -3761,7 +3780,7 @@
           <a:p>
             <a:fld id="{465CFDFA-CF26-42CF-9DDE-37B2F708C550}" type="datetimeFigureOut">
               <a:rPr lang="it-IT" smtClean="0"/>
-              <a:t>24/04/2019</a:t>
+              <a:t>06/05/2019</a:t>
             </a:fld>
             <a:endParaRPr lang="it-IT"/>
           </a:p>
@@ -4003,7 +4022,7 @@
           <a:p>
             <a:fld id="{465CFDFA-CF26-42CF-9DDE-37B2F708C550}" type="datetimeFigureOut">
               <a:rPr lang="it-IT" smtClean="0"/>
-              <a:t>24/04/2019</a:t>
+              <a:t>06/05/2019</a:t>
             </a:fld>
             <a:endParaRPr lang="it-IT"/>
           </a:p>
@@ -4387,7 +4406,7 @@
           <a:p>
             <a:fld id="{465CFDFA-CF26-42CF-9DDE-37B2F708C550}" type="datetimeFigureOut">
               <a:rPr lang="it-IT" smtClean="0"/>
-              <a:t>24/04/2019</a:t>
+              <a:t>06/05/2019</a:t>
             </a:fld>
             <a:endParaRPr lang="it-IT"/>
           </a:p>
@@ -4510,7 +4529,7 @@
           <a:p>
             <a:fld id="{465CFDFA-CF26-42CF-9DDE-37B2F708C550}" type="datetimeFigureOut">
               <a:rPr lang="it-IT" smtClean="0"/>
-              <a:t>24/04/2019</a:t>
+              <a:t>06/05/2019</a:t>
             </a:fld>
             <a:endParaRPr lang="it-IT"/>
           </a:p>
@@ -4605,7 +4624,7 @@
           <a:p>
             <a:fld id="{465CFDFA-CF26-42CF-9DDE-37B2F708C550}" type="datetimeFigureOut">
               <a:rPr lang="it-IT" smtClean="0"/>
-              <a:t>24/04/2019</a:t>
+              <a:t>06/05/2019</a:t>
             </a:fld>
             <a:endParaRPr lang="it-IT"/>
           </a:p>
@@ -4854,7 +4873,7 @@
           <a:p>
             <a:fld id="{465CFDFA-CF26-42CF-9DDE-37B2F708C550}" type="datetimeFigureOut">
               <a:rPr lang="it-IT" smtClean="0"/>
-              <a:t>24/04/2019</a:t>
+              <a:t>06/05/2019</a:t>
             </a:fld>
             <a:endParaRPr lang="it-IT"/>
           </a:p>
@@ -5116,7 +5135,7 @@
           <a:p>
             <a:fld id="{465CFDFA-CF26-42CF-9DDE-37B2F708C550}" type="datetimeFigureOut">
               <a:rPr lang="it-IT" smtClean="0"/>
-              <a:t>24/04/2019</a:t>
+              <a:t>06/05/2019</a:t>
             </a:fld>
             <a:endParaRPr lang="it-IT"/>
           </a:p>
@@ -5359,7 +5378,7 @@
           <a:p>
             <a:fld id="{465CFDFA-CF26-42CF-9DDE-37B2F708C550}" type="datetimeFigureOut">
               <a:rPr lang="it-IT" smtClean="0"/>
-              <a:t>24/04/2019</a:t>
+              <a:t>06/05/2019</a:t>
             </a:fld>
             <a:endParaRPr lang="it-IT"/>
           </a:p>
@@ -5761,17 +5780,6 @@
 <file path=ppt/slides/slide1.xml><?xml version="1.0" encoding="utf-8"?>
 <p:sld xmlns:a="http://schemas.openxmlformats.org/drawingml/2006/main" xmlns:r="http://schemas.openxmlformats.org/officeDocument/2006/relationships" xmlns:p="http://schemas.openxmlformats.org/presentationml/2006/main">
   <p:cSld>
-    <p:bg>
-      <p:bgPr>
-        <a:solidFill>
-          <a:schemeClr val="bg1">
-            <a:tint val="95000"/>
-            <a:satMod val="170000"/>
-          </a:schemeClr>
-        </a:solidFill>
-        <a:effectLst/>
-      </p:bgPr>
-    </p:bg>
     <p:spTree>
       <p:nvGrpSpPr>
         <p:cNvPr id="1" name=""/>
@@ -5788,10 +5796,10 @@
       </p:grpSpPr>
       <p:sp>
         <p:nvSpPr>
-          <p:cNvPr id="3" name="Sottotitolo 2">
+          <p:cNvPr id="2" name="Titolo 1">
             <a:extLst>
               <a:ext uri="{FF2B5EF4-FFF2-40B4-BE49-F238E27FC236}">
-                <a16:creationId xmlns:a16="http://schemas.microsoft.com/office/drawing/2014/main" id="{521DC8E5-D5B0-4E0C-98F3-1B3E2C8D43F3}"/>
+                <a16:creationId xmlns:a16="http://schemas.microsoft.com/office/drawing/2014/main" id="{09DC3C69-D7B8-458D-B784-A90876E1BD4B}"/>
               </a:ext>
             </a:extLst>
           </p:cNvPr>
@@ -5799,13 +5807,13 @@
             <a:spLocks noGrp="1"/>
           </p:cNvSpPr>
           <p:nvPr>
-            <p:ph type="subTitle" idx="1"/>
-          </p:nvPr>
-        </p:nvSpPr>
-        <p:spPr>
-          <a:xfrm>
-            <a:off x="76199" y="4430585"/>
-            <a:ext cx="10296525" cy="1922589"/>
+            <p:ph type="ctrTitle"/>
+          </p:nvPr>
+        </p:nvSpPr>
+        <p:spPr>
+          <a:xfrm>
+            <a:off x="1232452" y="1202633"/>
+            <a:ext cx="9448800" cy="3866323"/>
           </a:xfrm>
         </p:spPr>
         <p:txBody>
@@ -5814,88 +5822,8 @@
           </a:bodyPr>
           <a:lstStyle/>
           <a:p>
-            <a:pPr marL="285750" indent="-285750">
-              <a:buFont typeface="Arial" panose="020B0604020202020204" pitchFamily="34" charset="0"/>
-              <a:buChar char="•"/>
-            </a:pPr>
-            <a:r>
-              <a:rPr lang="it-IT" sz="1600" dirty="0"/>
-              <a:t>Noemi Cardillo</a:t>
-            </a:r>
-          </a:p>
-          <a:p>
-            <a:pPr marL="285750" indent="-285750">
-              <a:buFont typeface="Arial" panose="020B0604020202020204" pitchFamily="34" charset="0"/>
-              <a:buChar char="•"/>
-            </a:pPr>
-            <a:r>
-              <a:rPr lang="it-IT" sz="1600" dirty="0"/>
-              <a:t>Antonio Coronelli</a:t>
-            </a:r>
-          </a:p>
-          <a:p>
-            <a:pPr marL="285750" indent="-285750">
-              <a:buFont typeface="Arial" panose="020B0604020202020204" pitchFamily="34" charset="0"/>
-              <a:buChar char="•"/>
-            </a:pPr>
-            <a:r>
-              <a:rPr lang="it-IT" sz="1600" dirty="0"/>
-              <a:t>Jacopo Del Col</a:t>
-            </a:r>
-          </a:p>
-          <a:p>
-            <a:pPr marL="285750" indent="-285750">
-              <a:buFont typeface="Arial" panose="020B0604020202020204" pitchFamily="34" charset="0"/>
-              <a:buChar char="•"/>
-            </a:pPr>
-            <a:r>
-              <a:rPr lang="it-IT" sz="1600" dirty="0"/>
-              <a:t>Federico Guareschi</a:t>
-            </a:r>
-          </a:p>
-          <a:p>
-            <a:pPr marL="285750" indent="-285750">
-              <a:buFont typeface="Arial" panose="020B0604020202020204" pitchFamily="34" charset="0"/>
-              <a:buChar char="•"/>
-            </a:pPr>
-            <a:r>
-              <a:rPr lang="it-IT" sz="1600" dirty="0"/>
-              <a:t>Simone Tartarotti</a:t>
-            </a:r>
-          </a:p>
-        </p:txBody>
-      </p:sp>
-      <p:sp>
-        <p:nvSpPr>
-          <p:cNvPr id="4" name="Rettangolo 3">
-            <a:extLst>
-              <a:ext uri="{FF2B5EF4-FFF2-40B4-BE49-F238E27FC236}">
-                <a16:creationId xmlns:a16="http://schemas.microsoft.com/office/drawing/2014/main" id="{8BBA0FB2-4BEA-4B88-B5BF-29D13E541BC2}"/>
-              </a:ext>
-            </a:extLst>
-          </p:cNvPr>
-          <p:cNvSpPr/>
-          <p:nvPr/>
-        </p:nvSpPr>
-        <p:spPr>
-          <a:xfrm>
-            <a:off x="1277961" y="1414376"/>
-            <a:ext cx="9485289" cy="2554545"/>
-          </a:xfrm>
-          <a:prstGeom prst="rect">
-            <a:avLst/>
-          </a:prstGeom>
-          <a:noFill/>
-        </p:spPr>
-        <p:txBody>
-          <a:bodyPr wrap="none" lIns="91440" tIns="45720" rIns="91440" bIns="45720">
-            <a:spAutoFit/>
-          </a:bodyPr>
-          <a:lstStyle/>
-          <a:p>
-            <a:pPr algn="ctr"/>
-            <a:r>
-              <a:rPr lang="it-IT" sz="8000" dirty="0">
+            <a:r>
+              <a:rPr lang="it-IT" sz="7200" dirty="0">
                 <a:ln w="0"/>
                 <a:solidFill>
                   <a:srgbClr val="FF0000"/>
@@ -5906,11 +5834,19 @@
               </a:rPr>
               <a:t>PREDITTORE DELLA </a:t>
             </a:r>
-          </a:p>
-          <a:p>
-            <a:pPr algn="ctr"/>
-            <a:r>
-              <a:rPr lang="it-IT" sz="8000" dirty="0">
+            <a:br>
+              <a:rPr lang="it-IT" sz="7200" dirty="0">
+                <a:ln w="0"/>
+                <a:solidFill>
+                  <a:srgbClr val="FF0000"/>
+                </a:solidFill>
+                <a:effectLst>
+                  <a:reflection blurRad="6350" stA="53000" endA="300" endPos="35500" dir="5400000" sy="-90000" algn="bl" rotWithShape="0"/>
+                </a:effectLst>
+              </a:rPr>
+            </a:br>
+            <a:r>
+              <a:rPr lang="it-IT" sz="7200" dirty="0">
                 <a:ln w="0"/>
                 <a:solidFill>
                   <a:srgbClr val="FF0000"/>
@@ -5921,232 +5857,268 @@
               </a:rPr>
               <a:t>DOMENICA</a:t>
             </a:r>
-          </a:p>
-        </p:txBody>
-      </p:sp>
-      <p:sp>
-        <p:nvSpPr>
-          <p:cNvPr id="20" name="CasellaDiTesto 19">
-            <a:extLst>
-              <a:ext uri="{FF2B5EF4-FFF2-40B4-BE49-F238E27FC236}">
-                <a16:creationId xmlns:a16="http://schemas.microsoft.com/office/drawing/2014/main" id="{49154788-4D0B-44AB-AC77-B6F547C23F8B}"/>
-              </a:ext>
-            </a:extLst>
-          </p:cNvPr>
-          <p:cNvSpPr txBox="1"/>
-          <p:nvPr/>
-        </p:nvSpPr>
-        <p:spPr>
-          <a:xfrm>
-            <a:off x="323849" y="3968921"/>
-            <a:ext cx="2543175" cy="369332"/>
-          </a:xfrm>
-          <a:prstGeom prst="rect">
-            <a:avLst/>
-          </a:prstGeom>
-          <a:noFill/>
-        </p:spPr>
-        <p:txBody>
-          <a:bodyPr wrap="square" rtlCol="0">
-            <a:spAutoFit/>
-          </a:bodyPr>
-          <a:lstStyle/>
-          <a:p>
-            <a:r>
-              <a:rPr lang="it-IT" dirty="0"/>
-              <a:t>A cura di</a:t>
-            </a:r>
-          </a:p>
-        </p:txBody>
-      </p:sp>
-    </p:spTree>
-    <p:extLst>
-      <p:ext uri="{BB962C8B-B14F-4D97-AF65-F5344CB8AC3E}">
-        <p14:creationId xmlns:p14="http://schemas.microsoft.com/office/powerpoint/2010/main" val="2135836952"/>
-      </p:ext>
-    </p:extLst>
-  </p:cSld>
-  <p:clrMapOvr>
-    <a:overrideClrMapping bg1="dk1" tx1="lt1" bg2="dk2" tx2="lt2" accent1="accent1" accent2="accent2" accent3="accent3" accent4="accent4" accent5="accent5" accent6="accent6" hlink="hlink" folHlink="folHlink"/>
-  </p:clrMapOvr>
-</p:sld>
-</file>
-
-<file path=ppt/slides/slide10.xml><?xml version="1.0" encoding="utf-8"?>
-<p:sld xmlns:a="http://schemas.openxmlformats.org/drawingml/2006/main" xmlns:r="http://schemas.openxmlformats.org/officeDocument/2006/relationships" xmlns:p="http://schemas.openxmlformats.org/presentationml/2006/main">
-  <p:cSld>
-    <p:spTree>
-      <p:nvGrpSpPr>
-        <p:cNvPr id="1" name=""/>
-        <p:cNvGrpSpPr/>
-        <p:nvPr/>
-      </p:nvGrpSpPr>
-      <p:grpSpPr>
-        <a:xfrm>
-          <a:off x="0" y="0"/>
-          <a:ext cx="0" cy="0"/>
-          <a:chOff x="0" y="0"/>
-          <a:chExt cx="0" cy="0"/>
-        </a:xfrm>
-      </p:grpSpPr>
-      <p:pic>
-        <p:nvPicPr>
-          <p:cNvPr id="9" name="Immagine 8" descr="Immagine che contiene interni, bottiglia&#10;&#10;Descrizione generata automaticamente">
-            <a:extLst>
-              <a:ext uri="{FF2B5EF4-FFF2-40B4-BE49-F238E27FC236}">
-                <a16:creationId xmlns:a16="http://schemas.microsoft.com/office/drawing/2014/main" id="{0249EFDE-8780-47AF-B675-A4E7918A7654}"/>
-              </a:ext>
-            </a:extLst>
-          </p:cNvPr>
-          <p:cNvPicPr>
-            <a:picLocks noChangeAspect="1"/>
-          </p:cNvPicPr>
-          <p:nvPr/>
-        </p:nvPicPr>
-        <p:blipFill>
-          <a:blip r:embed="rId2">
-            <a:extLst>
-              <a:ext uri="{28A0092B-C50C-407E-A947-70E740481C1C}">
-                <a14:useLocalDpi xmlns:a14="http://schemas.microsoft.com/office/drawing/2010/main" val="0"/>
-              </a:ext>
-            </a:extLst>
-          </a:blip>
-          <a:stretch>
-            <a:fillRect/>
-          </a:stretch>
-        </p:blipFill>
-        <p:spPr>
-          <a:xfrm>
-            <a:off x="953949" y="5219992"/>
-            <a:ext cx="10040751" cy="1543265"/>
-          </a:xfrm>
-          <a:prstGeom prst="rect">
-            <a:avLst/>
-          </a:prstGeom>
-        </p:spPr>
-      </p:pic>
-      <p:pic>
-        <p:nvPicPr>
-          <p:cNvPr id="14" name="Immagine 13" descr="Immagine che contiene oggetto&#10;&#10;Descrizione generata automaticamente">
-            <a:extLst>
-              <a:ext uri="{FF2B5EF4-FFF2-40B4-BE49-F238E27FC236}">
-                <a16:creationId xmlns:a16="http://schemas.microsoft.com/office/drawing/2014/main" id="{64CD0A02-1C2E-4DD0-832C-2BCB4090AF01}"/>
-              </a:ext>
-            </a:extLst>
-          </p:cNvPr>
-          <p:cNvPicPr>
-            <a:picLocks noChangeAspect="1"/>
-          </p:cNvPicPr>
-          <p:nvPr/>
-        </p:nvPicPr>
-        <p:blipFill>
-          <a:blip r:embed="rId3">
-            <a:extLst>
-              <a:ext uri="{28A0092B-C50C-407E-A947-70E740481C1C}">
-                <a14:useLocalDpi xmlns:a14="http://schemas.microsoft.com/office/drawing/2010/main" val="0"/>
-              </a:ext>
-            </a:extLst>
-          </a:blip>
-          <a:stretch>
-            <a:fillRect/>
-          </a:stretch>
-        </p:blipFill>
-        <p:spPr>
-          <a:xfrm>
-            <a:off x="0" y="3066525"/>
-            <a:ext cx="3953427" cy="1781424"/>
-          </a:xfrm>
-          <a:prstGeom prst="rect">
-            <a:avLst/>
-          </a:prstGeom>
-        </p:spPr>
-      </p:pic>
-      <p:sp>
-        <p:nvSpPr>
-          <p:cNvPr id="17" name="CasellaDiTesto 16">
-            <a:extLst>
-              <a:ext uri="{FF2B5EF4-FFF2-40B4-BE49-F238E27FC236}">
-                <a16:creationId xmlns:a16="http://schemas.microsoft.com/office/drawing/2014/main" id="{AE3B34D6-F72E-4BF8-ABF6-D22863CAA192}"/>
-              </a:ext>
-            </a:extLst>
-          </p:cNvPr>
-          <p:cNvSpPr txBox="1"/>
-          <p:nvPr/>
-        </p:nvSpPr>
-        <p:spPr>
-          <a:xfrm>
-            <a:off x="409575" y="1389380"/>
-            <a:ext cx="3683593" cy="1107996"/>
-          </a:xfrm>
-          <a:prstGeom prst="rect">
-            <a:avLst/>
-          </a:prstGeom>
-          <a:noFill/>
-        </p:spPr>
-        <p:txBody>
-          <a:bodyPr wrap="square" rtlCol="0">
-            <a:spAutoFit/>
-          </a:bodyPr>
-          <a:lstStyle/>
-          <a:p>
-            <a:r>
-              <a:rPr lang="it-IT" sz="6600" dirty="0">
+            <a:br>
+              <a:rPr lang="it-IT" sz="7200" dirty="0">
+                <a:ln w="0"/>
                 <a:solidFill>
                   <a:srgbClr val="FF0000"/>
                 </a:solidFill>
                 <a:effectLst>
-                  <a:outerShdw blurRad="38100" dist="38100" dir="2700000" algn="tl">
-                    <a:srgbClr val="000000">
-                      <a:alpha val="43137"/>
-                    </a:srgbClr>
-                  </a:outerShdw>
+                  <a:reflection blurRad="6350" stA="53000" endA="300" endPos="35500" dir="5400000" sy="-90000" algn="bl" rotWithShape="0"/>
                 </a:effectLst>
               </a:rPr>
-              <a:t>TEST AIC</a:t>
-            </a:r>
-          </a:p>
-        </p:txBody>
-      </p:sp>
-      <p:pic>
-        <p:nvPicPr>
-          <p:cNvPr id="8" name="Immagine 7">
+            </a:br>
+            <a:endParaRPr lang="it-IT" sz="7200" dirty="0"/>
+          </a:p>
+        </p:txBody>
+      </p:sp>
+      <p:sp>
+        <p:nvSpPr>
+          <p:cNvPr id="6" name="Sottotitolo 2">
             <a:extLst>
               <a:ext uri="{FF2B5EF4-FFF2-40B4-BE49-F238E27FC236}">
-                <a16:creationId xmlns:a16="http://schemas.microsoft.com/office/drawing/2014/main" id="{68E5F57A-6190-4047-9888-F7D81B6F5DE6}"/>
+                <a16:creationId xmlns:a16="http://schemas.microsoft.com/office/drawing/2014/main" id="{DA771858-35D5-47CD-ABFC-921BED6D8181}"/>
               </a:ext>
             </a:extLst>
           </p:cNvPr>
-          <p:cNvPicPr>
-            <a:picLocks noChangeAspect="1"/>
-          </p:cNvPicPr>
+          <p:cNvSpPr txBox="1">
+            <a:spLocks/>
+          </p:cNvSpPr>
           <p:nvPr/>
-        </p:nvPicPr>
-        <p:blipFill>
-          <a:blip r:embed="rId4">
-            <a:extLst>
-              <a:ext uri="{28A0092B-C50C-407E-A947-70E740481C1C}">
-                <a14:useLocalDpi xmlns:a14="http://schemas.microsoft.com/office/drawing/2010/main" val="0"/>
-              </a:ext>
-            </a:extLst>
-          </a:blip>
-          <a:stretch>
-            <a:fillRect/>
-          </a:stretch>
-        </p:blipFill>
-        <p:spPr>
-          <a:xfrm>
-            <a:off x="4572000" y="1579418"/>
-            <a:ext cx="7210425" cy="3640574"/>
+        </p:nvSpPr>
+        <p:spPr>
+          <a:xfrm>
+            <a:off x="9806609" y="2775818"/>
+            <a:ext cx="2647121" cy="1922589"/>
           </a:xfrm>
           <a:prstGeom prst="rect">
             <a:avLst/>
           </a:prstGeom>
         </p:spPr>
-      </p:pic>
+        <p:txBody>
+          <a:bodyPr vert="horz" lIns="91440" tIns="45720" rIns="91440" bIns="45720" rtlCol="0">
+            <a:noAutofit/>
+          </a:bodyPr>
+          <a:lstStyle>
+            <a:lvl1pPr marL="0" indent="0" algn="l" defTabSz="914400" rtl="0" eaLnBrk="1" latinLnBrk="0" hangingPunct="1">
+              <a:lnSpc>
+                <a:spcPct val="90000"/>
+              </a:lnSpc>
+              <a:spcBef>
+                <a:spcPts val="1000"/>
+              </a:spcBef>
+              <a:buFont typeface="Arial" panose="020B0604020202020204" pitchFamily="34" charset="0"/>
+              <a:buNone/>
+              <a:defRPr sz="2000" kern="1200">
+                <a:solidFill>
+                  <a:schemeClr val="tx1"/>
+                </a:solidFill>
+                <a:latin typeface="+mn-lt"/>
+                <a:ea typeface="+mn-ea"/>
+                <a:cs typeface="+mn-cs"/>
+              </a:defRPr>
+            </a:lvl1pPr>
+            <a:lvl2pPr marL="457200" indent="0" algn="ctr" defTabSz="914400" rtl="0" eaLnBrk="1" latinLnBrk="0" hangingPunct="1">
+              <a:lnSpc>
+                <a:spcPct val="90000"/>
+              </a:lnSpc>
+              <a:spcBef>
+                <a:spcPts val="500"/>
+              </a:spcBef>
+              <a:buFont typeface="Arial" panose="020B0604020202020204" pitchFamily="34" charset="0"/>
+              <a:buNone/>
+              <a:defRPr sz="2000" kern="1200">
+                <a:solidFill>
+                  <a:schemeClr val="tx1"/>
+                </a:solidFill>
+                <a:latin typeface="+mn-lt"/>
+                <a:ea typeface="+mn-ea"/>
+                <a:cs typeface="+mn-cs"/>
+              </a:defRPr>
+            </a:lvl2pPr>
+            <a:lvl3pPr marL="914400" indent="0" algn="ctr" defTabSz="914400" rtl="0" eaLnBrk="1" latinLnBrk="0" hangingPunct="1">
+              <a:lnSpc>
+                <a:spcPct val="90000"/>
+              </a:lnSpc>
+              <a:spcBef>
+                <a:spcPts val="500"/>
+              </a:spcBef>
+              <a:buFont typeface="Arial" panose="020B0604020202020204" pitchFamily="34" charset="0"/>
+              <a:buNone/>
+              <a:defRPr sz="1800" kern="1200">
+                <a:solidFill>
+                  <a:schemeClr val="tx1"/>
+                </a:solidFill>
+                <a:latin typeface="+mn-lt"/>
+                <a:ea typeface="+mn-ea"/>
+                <a:cs typeface="+mn-cs"/>
+              </a:defRPr>
+            </a:lvl3pPr>
+            <a:lvl4pPr marL="1371600" indent="0" algn="ctr" defTabSz="914400" rtl="0" eaLnBrk="1" latinLnBrk="0" hangingPunct="1">
+              <a:lnSpc>
+                <a:spcPct val="90000"/>
+              </a:lnSpc>
+              <a:spcBef>
+                <a:spcPts val="500"/>
+              </a:spcBef>
+              <a:buFont typeface="Arial" panose="020B0604020202020204" pitchFamily="34" charset="0"/>
+              <a:buNone/>
+              <a:defRPr sz="1600" kern="1200">
+                <a:solidFill>
+                  <a:schemeClr val="tx1"/>
+                </a:solidFill>
+                <a:latin typeface="+mn-lt"/>
+                <a:ea typeface="+mn-ea"/>
+                <a:cs typeface="+mn-cs"/>
+              </a:defRPr>
+            </a:lvl4pPr>
+            <a:lvl5pPr marL="1828800" indent="0" algn="ctr" defTabSz="914400" rtl="0" eaLnBrk="1" latinLnBrk="0" hangingPunct="1">
+              <a:lnSpc>
+                <a:spcPct val="90000"/>
+              </a:lnSpc>
+              <a:spcBef>
+                <a:spcPts val="500"/>
+              </a:spcBef>
+              <a:buFont typeface="Arial" panose="020B0604020202020204" pitchFamily="34" charset="0"/>
+              <a:buNone/>
+              <a:defRPr sz="1600" kern="1200">
+                <a:solidFill>
+                  <a:schemeClr val="tx1"/>
+                </a:solidFill>
+                <a:latin typeface="+mn-lt"/>
+                <a:ea typeface="+mn-ea"/>
+                <a:cs typeface="+mn-cs"/>
+              </a:defRPr>
+            </a:lvl5pPr>
+            <a:lvl6pPr marL="2286000" indent="0" algn="ctr" defTabSz="914400" rtl="0" eaLnBrk="1" latinLnBrk="0" hangingPunct="1">
+              <a:lnSpc>
+                <a:spcPct val="90000"/>
+              </a:lnSpc>
+              <a:spcBef>
+                <a:spcPts val="500"/>
+              </a:spcBef>
+              <a:buFont typeface="Arial" panose="020B0604020202020204" pitchFamily="34" charset="0"/>
+              <a:buNone/>
+              <a:defRPr sz="1600" kern="1200">
+                <a:solidFill>
+                  <a:schemeClr val="tx1"/>
+                </a:solidFill>
+                <a:latin typeface="+mn-lt"/>
+                <a:ea typeface="+mn-ea"/>
+                <a:cs typeface="+mn-cs"/>
+              </a:defRPr>
+            </a:lvl6pPr>
+            <a:lvl7pPr marL="2743200" indent="0" algn="ctr" defTabSz="914400" rtl="0" eaLnBrk="1" latinLnBrk="0" hangingPunct="1">
+              <a:lnSpc>
+                <a:spcPct val="90000"/>
+              </a:lnSpc>
+              <a:spcBef>
+                <a:spcPts val="500"/>
+              </a:spcBef>
+              <a:buFont typeface="Arial" panose="020B0604020202020204" pitchFamily="34" charset="0"/>
+              <a:buNone/>
+              <a:defRPr sz="1600" kern="1200">
+                <a:solidFill>
+                  <a:schemeClr val="tx1"/>
+                </a:solidFill>
+                <a:latin typeface="+mn-lt"/>
+                <a:ea typeface="+mn-ea"/>
+                <a:cs typeface="+mn-cs"/>
+              </a:defRPr>
+            </a:lvl7pPr>
+            <a:lvl8pPr marL="3200400" indent="0" algn="ctr" defTabSz="914400" rtl="0" eaLnBrk="1" latinLnBrk="0" hangingPunct="1">
+              <a:lnSpc>
+                <a:spcPct val="90000"/>
+              </a:lnSpc>
+              <a:spcBef>
+                <a:spcPts val="500"/>
+              </a:spcBef>
+              <a:buFont typeface="Arial" panose="020B0604020202020204" pitchFamily="34" charset="0"/>
+              <a:buNone/>
+              <a:defRPr sz="1600" kern="1200">
+                <a:solidFill>
+                  <a:schemeClr val="tx1"/>
+                </a:solidFill>
+                <a:latin typeface="+mn-lt"/>
+                <a:ea typeface="+mn-ea"/>
+                <a:cs typeface="+mn-cs"/>
+              </a:defRPr>
+            </a:lvl8pPr>
+            <a:lvl9pPr marL="3657600" indent="0" algn="ctr" defTabSz="914400" rtl="0" eaLnBrk="1" latinLnBrk="0" hangingPunct="1">
+              <a:lnSpc>
+                <a:spcPct val="90000"/>
+              </a:lnSpc>
+              <a:spcBef>
+                <a:spcPts val="500"/>
+              </a:spcBef>
+              <a:buFont typeface="Arial" panose="020B0604020202020204" pitchFamily="34" charset="0"/>
+              <a:buNone/>
+              <a:defRPr sz="1600" kern="1200">
+                <a:solidFill>
+                  <a:schemeClr val="tx1"/>
+                </a:solidFill>
+                <a:latin typeface="+mn-lt"/>
+                <a:ea typeface="+mn-ea"/>
+                <a:cs typeface="+mn-cs"/>
+              </a:defRPr>
+            </a:lvl9pPr>
+          </a:lstStyle>
+          <a:p>
+            <a:pPr marL="285750" indent="-285750">
+              <a:buFont typeface="Arial" panose="020B0604020202020204" pitchFamily="34" charset="0"/>
+              <a:buChar char="•"/>
+            </a:pPr>
+            <a:r>
+              <a:rPr lang="it-IT" sz="1600" dirty="0"/>
+              <a:t>Noemi Cardillo</a:t>
+            </a:r>
+          </a:p>
+          <a:p>
+            <a:pPr marL="285750" indent="-285750">
+              <a:buFont typeface="Arial" panose="020B0604020202020204" pitchFamily="34" charset="0"/>
+              <a:buChar char="•"/>
+            </a:pPr>
+            <a:r>
+              <a:rPr lang="it-IT" sz="1600" dirty="0"/>
+              <a:t>Antonio Coronelli</a:t>
+            </a:r>
+          </a:p>
+          <a:p>
+            <a:pPr marL="285750" indent="-285750">
+              <a:buFont typeface="Arial" panose="020B0604020202020204" pitchFamily="34" charset="0"/>
+              <a:buChar char="•"/>
+            </a:pPr>
+            <a:r>
+              <a:rPr lang="it-IT" sz="1600" dirty="0"/>
+              <a:t>Jacopo Del Col</a:t>
+            </a:r>
+          </a:p>
+          <a:p>
+            <a:pPr marL="285750" indent="-285750">
+              <a:buFont typeface="Arial" panose="020B0604020202020204" pitchFamily="34" charset="0"/>
+              <a:buChar char="•"/>
+            </a:pPr>
+            <a:r>
+              <a:rPr lang="it-IT" sz="1600" dirty="0"/>
+              <a:t>Federico Guareschi</a:t>
+            </a:r>
+          </a:p>
+          <a:p>
+            <a:pPr marL="285750" indent="-285750">
+              <a:buFont typeface="Arial" panose="020B0604020202020204" pitchFamily="34" charset="0"/>
+              <a:buChar char="•"/>
+            </a:pPr>
+            <a:r>
+              <a:rPr lang="it-IT" sz="1600" dirty="0"/>
+              <a:t>Simone Tartarotti</a:t>
+            </a:r>
+          </a:p>
+        </p:txBody>
+      </p:sp>
     </p:spTree>
     <p:extLst>
       <p:ext uri="{BB962C8B-B14F-4D97-AF65-F5344CB8AC3E}">
-        <p14:creationId xmlns:p14="http://schemas.microsoft.com/office/powerpoint/2010/main" val="3654061560"/>
+        <p14:creationId xmlns:p14="http://schemas.microsoft.com/office/powerpoint/2010/main" val="2777938420"/>
       </p:ext>
     </p:extLst>
   </p:cSld>
@@ -6156,7 +6128,7 @@
 </p:sld>
 </file>
 
-<file path=ppt/slides/slide11.xml><?xml version="1.0" encoding="utf-8"?>
+<file path=ppt/slides/slide10.xml><?xml version="1.0" encoding="utf-8"?>
 <p:sld xmlns:a="http://schemas.openxmlformats.org/drawingml/2006/main" xmlns:r="http://schemas.openxmlformats.org/officeDocument/2006/relationships" xmlns:p="http://schemas.openxmlformats.org/presentationml/2006/main">
   <p:cSld>
     <p:spTree>
@@ -6200,12 +6172,47 @@
         </p:blipFill>
         <p:spPr>
           <a:xfrm>
-            <a:off x="151570" y="1914209"/>
+            <a:off x="0" y="1590359"/>
             <a:ext cx="5944430" cy="1838641"/>
           </a:xfrm>
           <a:prstGeom prst="rect">
             <a:avLst/>
           </a:prstGeom>
+        </p:spPr>
+      </p:pic>
+      <p:pic>
+        <p:nvPicPr>
+          <p:cNvPr id="5" name="Segnaposto contenuto 4" descr="Immagine che contiene testo, mappa&#10;&#10;Descrizione generata automaticamente">
+            <a:extLst>
+              <a:ext uri="{FF2B5EF4-FFF2-40B4-BE49-F238E27FC236}">
+                <a16:creationId xmlns:a16="http://schemas.microsoft.com/office/drawing/2014/main" id="{F734AEC1-3443-4AED-9E3D-3FEBB5FAAFBE}"/>
+              </a:ext>
+            </a:extLst>
+          </p:cNvPr>
+          <p:cNvPicPr>
+            <a:picLocks noGrp="1" noChangeAspect="1"/>
+          </p:cNvPicPr>
+          <p:nvPr>
+            <p:ph idx="1"/>
+          </p:nvPr>
+        </p:nvPicPr>
+        <p:blipFill>
+          <a:blip r:embed="rId3">
+            <a:extLst>
+              <a:ext uri="{28A0092B-C50C-407E-A947-70E740481C1C}">
+                <a14:useLocalDpi xmlns:a14="http://schemas.microsoft.com/office/drawing/2010/main" val="0"/>
+              </a:ext>
+            </a:extLst>
+          </a:blip>
+          <a:stretch>
+            <a:fillRect/>
+          </a:stretch>
+        </p:blipFill>
+        <p:spPr>
+          <a:xfrm>
+            <a:off x="4963577" y="2571750"/>
+            <a:ext cx="6991128" cy="3733800"/>
+          </a:xfrm>
         </p:spPr>
       </p:pic>
       <p:sp>
@@ -6222,7 +6229,7 @@
         </p:nvSpPr>
         <p:spPr>
           <a:xfrm>
-            <a:off x="5462687" y="371475"/>
+            <a:off x="5496866" y="552450"/>
             <a:ext cx="6096000" cy="830997"/>
           </a:xfrm>
           <a:prstGeom prst="rect">
@@ -6254,12 +6261,203 @@
           </a:p>
         </p:txBody>
       </p:sp>
+    </p:spTree>
+    <p:extLst>
+      <p:ext uri="{BB962C8B-B14F-4D97-AF65-F5344CB8AC3E}">
+        <p14:creationId xmlns:p14="http://schemas.microsoft.com/office/powerpoint/2010/main" val="1922628029"/>
+      </p:ext>
+    </p:extLst>
+  </p:cSld>
+  <p:clrMapOvr>
+    <a:masterClrMapping/>
+  </p:clrMapOvr>
+</p:sld>
+</file>
+
+<file path=ppt/slides/slide11.xml><?xml version="1.0" encoding="utf-8"?>
+<p:sld xmlns:a="http://schemas.openxmlformats.org/drawingml/2006/main" xmlns:r="http://schemas.openxmlformats.org/officeDocument/2006/relationships" xmlns:p="http://schemas.openxmlformats.org/presentationml/2006/main">
+  <p:cSld>
+    <p:spTree>
+      <p:nvGrpSpPr>
+        <p:cNvPr id="1" name=""/>
+        <p:cNvGrpSpPr/>
+        <p:nvPr/>
+      </p:nvGrpSpPr>
+      <p:grpSpPr>
+        <a:xfrm>
+          <a:off x="0" y="0"/>
+          <a:ext cx="0" cy="0"/>
+          <a:chOff x="0" y="0"/>
+          <a:chExt cx="0" cy="0"/>
+        </a:xfrm>
+      </p:grpSpPr>
+      <p:sp>
+        <p:nvSpPr>
+          <p:cNvPr id="2" name="Titolo 1">
+            <a:extLst>
+              <a:ext uri="{FF2B5EF4-FFF2-40B4-BE49-F238E27FC236}">
+                <a16:creationId xmlns:a16="http://schemas.microsoft.com/office/drawing/2014/main" id="{515BD050-1514-40F9-8127-866B1775A26E}"/>
+              </a:ext>
+            </a:extLst>
+          </p:cNvPr>
+          <p:cNvSpPr>
+            <a:spLocks noGrp="1"/>
+          </p:cNvSpPr>
+          <p:nvPr>
+            <p:ph type="title"/>
+          </p:nvPr>
+        </p:nvSpPr>
+        <p:spPr>
+          <a:xfrm>
+            <a:off x="1024495" y="1124702"/>
+            <a:ext cx="10146186" cy="1132724"/>
+          </a:xfrm>
+        </p:spPr>
+        <p:txBody>
+          <a:bodyPr/>
+          <a:lstStyle/>
+          <a:p>
+            <a:r>
+              <a:rPr lang="it-IT" dirty="0"/>
+              <a:t>Secondo approccio: </a:t>
+            </a:r>
+            <a:br>
+              <a:rPr lang="it-IT" dirty="0"/>
+            </a:br>
+            <a:r>
+              <a:rPr lang="it-IT" dirty="0"/>
+              <a:t>modelli di fourier</a:t>
+            </a:r>
+          </a:p>
+        </p:txBody>
+      </p:sp>
+      <p:sp>
+        <p:nvSpPr>
+          <p:cNvPr id="3" name="Segnaposto testo 2">
+            <a:extLst>
+              <a:ext uri="{FF2B5EF4-FFF2-40B4-BE49-F238E27FC236}">
+                <a16:creationId xmlns:a16="http://schemas.microsoft.com/office/drawing/2014/main" id="{4FA62588-010E-4BEF-A676-A9282244CC6C}"/>
+              </a:ext>
+            </a:extLst>
+          </p:cNvPr>
+          <p:cNvSpPr>
+            <a:spLocks noGrp="1"/>
+          </p:cNvSpPr>
+          <p:nvPr>
+            <p:ph type="body" sz="half" idx="2"/>
+          </p:nvPr>
+        </p:nvSpPr>
+        <p:spPr>
+          <a:xfrm>
+            <a:off x="1022935" y="2610090"/>
+            <a:ext cx="10144654" cy="999885"/>
+          </a:xfrm>
+        </p:spPr>
+        <p:txBody>
+          <a:bodyPr>
+            <a:normAutofit fontScale="92500" lnSpcReduction="20000"/>
+          </a:bodyPr>
+          <a:lstStyle/>
+          <a:p>
+            <a:r>
+              <a:rPr lang="it-IT" sz="2400" dirty="0"/>
+              <a:t>I modelli polinomiali sembrano non seguire in maniera efficace gli andamenti periodici dei consumi. </a:t>
+            </a:r>
+          </a:p>
+          <a:p>
+            <a:r>
+              <a:rPr lang="it-IT" sz="2400" dirty="0"/>
+              <a:t>Si passa quindi a considerare modelli basati sulle </a:t>
+            </a:r>
+            <a:r>
+              <a:rPr lang="it-IT" sz="2400" i="1" dirty="0"/>
+              <a:t>serie di Fourier.  </a:t>
+            </a:r>
+          </a:p>
+        </p:txBody>
+      </p:sp>
+    </p:spTree>
+    <p:extLst>
+      <p:ext uri="{BB962C8B-B14F-4D97-AF65-F5344CB8AC3E}">
+        <p14:creationId xmlns:p14="http://schemas.microsoft.com/office/powerpoint/2010/main" val="3116086154"/>
+      </p:ext>
+    </p:extLst>
+  </p:cSld>
+  <p:clrMapOvr>
+    <a:masterClrMapping/>
+  </p:clrMapOvr>
+</p:sld>
+</file>
+
+<file path=ppt/slides/slide12.xml><?xml version="1.0" encoding="utf-8"?>
+<p:sld xmlns:a="http://schemas.openxmlformats.org/drawingml/2006/main" xmlns:r="http://schemas.openxmlformats.org/officeDocument/2006/relationships" xmlns:p="http://schemas.openxmlformats.org/presentationml/2006/main">
+  <p:cSld>
+    <p:spTree>
+      <p:nvGrpSpPr>
+        <p:cNvPr id="1" name=""/>
+        <p:cNvGrpSpPr/>
+        <p:nvPr/>
+      </p:nvGrpSpPr>
+      <p:grpSpPr>
+        <a:xfrm>
+          <a:off x="0" y="0"/>
+          <a:ext cx="0" cy="0"/>
+          <a:chOff x="0" y="0"/>
+          <a:chExt cx="0" cy="0"/>
+        </a:xfrm>
+      </p:grpSpPr>
+      <p:sp>
+        <p:nvSpPr>
+          <p:cNvPr id="2" name="Titolo 1">
+            <a:extLst>
+              <a:ext uri="{FF2B5EF4-FFF2-40B4-BE49-F238E27FC236}">
+                <a16:creationId xmlns:a16="http://schemas.microsoft.com/office/drawing/2014/main" id="{7E4500B8-8FCC-4C9F-8F33-70E6130EA91C}"/>
+              </a:ext>
+            </a:extLst>
+          </p:cNvPr>
+          <p:cNvSpPr>
+            <a:spLocks noGrp="1"/>
+          </p:cNvSpPr>
+          <p:nvPr>
+            <p:ph type="title"/>
+          </p:nvPr>
+        </p:nvSpPr>
+        <p:spPr>
+          <a:xfrm>
+            <a:off x="2756535" y="430134"/>
+            <a:ext cx="8778240" cy="1325563"/>
+          </a:xfrm>
+        </p:spPr>
+        <p:txBody>
+          <a:bodyPr>
+            <a:normAutofit/>
+          </a:bodyPr>
+          <a:lstStyle/>
+          <a:p>
+            <a:r>
+              <a:rPr lang="it-IT" sz="5400" dirty="0">
+                <a:solidFill>
+                  <a:srgbClr val="FF0000"/>
+                </a:solidFill>
+                <a:effectLst>
+                  <a:outerShdw blurRad="38100" dist="38100" dir="2700000" algn="tl">
+                    <a:srgbClr val="000000">
+                      <a:alpha val="43137"/>
+                    </a:srgbClr>
+                  </a:outerShdw>
+                </a:effectLst>
+              </a:rPr>
+              <a:t>Modello di Fourier</a:t>
+            </a:r>
+          </a:p>
+        </p:txBody>
+      </p:sp>
       <p:pic>
         <p:nvPicPr>
-          <p:cNvPr id="6" name="Segnaposto contenuto 5">
+          <p:cNvPr id="6" name="Segnaposto contenuto 5" descr="Immagine che contiene testo&#10;&#10;Descrizione generata automaticamente">
             <a:extLst>
               <a:ext uri="{FF2B5EF4-FFF2-40B4-BE49-F238E27FC236}">
-                <a16:creationId xmlns:a16="http://schemas.microsoft.com/office/drawing/2014/main" id="{DE5CAAEF-67AD-4160-9C04-13AF1EE01E15}"/>
+                <a16:creationId xmlns:a16="http://schemas.microsoft.com/office/drawing/2014/main" id="{61EDB7BC-76CA-4DFB-BA94-6C1B88862FF8}"/>
               </a:ext>
             </a:extLst>
           </p:cNvPr>
@@ -6269,6 +6467,726 @@
           <p:nvPr>
             <p:ph idx="1"/>
           </p:nvPr>
+        </p:nvPicPr>
+        <p:blipFill>
+          <a:blip r:embed="rId2">
+            <a:extLst>
+              <a:ext uri="{28A0092B-C50C-407E-A947-70E740481C1C}">
+                <a14:useLocalDpi xmlns:a14="http://schemas.microsoft.com/office/drawing/2010/main" val="0"/>
+              </a:ext>
+            </a:extLst>
+          </a:blip>
+          <a:stretch>
+            <a:fillRect/>
+          </a:stretch>
+        </p:blipFill>
+        <p:spPr>
+          <a:xfrm>
+            <a:off x="1870710" y="2897780"/>
+            <a:ext cx="8626511" cy="3501851"/>
+          </a:xfrm>
+        </p:spPr>
+      </p:pic>
+      <p:sp>
+        <p:nvSpPr>
+          <p:cNvPr id="9" name="CasellaDiTesto 8">
+            <a:extLst>
+              <a:ext uri="{FF2B5EF4-FFF2-40B4-BE49-F238E27FC236}">
+                <a16:creationId xmlns:a16="http://schemas.microsoft.com/office/drawing/2014/main" id="{BDF007F6-7CE7-494A-8875-DA8B711E55FA}"/>
+              </a:ext>
+            </a:extLst>
+          </p:cNvPr>
+          <p:cNvSpPr txBox="1"/>
+          <p:nvPr/>
+        </p:nvSpPr>
+        <p:spPr>
+          <a:xfrm>
+            <a:off x="152400" y="2175478"/>
+            <a:ext cx="6210972" cy="369332"/>
+          </a:xfrm>
+          <a:prstGeom prst="rect">
+            <a:avLst/>
+          </a:prstGeom>
+          <a:noFill/>
+        </p:spPr>
+        <p:txBody>
+          <a:bodyPr wrap="square" rtlCol="0">
+            <a:spAutoFit/>
+          </a:bodyPr>
+          <a:lstStyle/>
+          <a:p>
+            <a:r>
+              <a:rPr lang="it-IT" b="1" i="1" dirty="0">
+                <a:effectLst>
+                  <a:outerShdw blurRad="38100" dist="38100" dir="2700000" algn="tl">
+                    <a:srgbClr val="000000">
+                      <a:alpha val="43137"/>
+                    </a:srgbClr>
+                  </a:outerShdw>
+                </a:effectLst>
+              </a:rPr>
+              <a:t>8 armoniche per le ore, 7 armoniche per i giorni</a:t>
+            </a:r>
+          </a:p>
+        </p:txBody>
+      </p:sp>
+      <p:sp>
+        <p:nvSpPr>
+          <p:cNvPr id="12" name="CasellaDiTesto 11">
+            <a:extLst>
+              <a:ext uri="{FF2B5EF4-FFF2-40B4-BE49-F238E27FC236}">
+                <a16:creationId xmlns:a16="http://schemas.microsoft.com/office/drawing/2014/main" id="{9958C6CB-2556-4183-AB06-B7E6C88E8F8B}"/>
+              </a:ext>
+            </a:extLst>
+          </p:cNvPr>
+          <p:cNvSpPr txBox="1"/>
+          <p:nvPr/>
+        </p:nvSpPr>
+        <p:spPr>
+          <a:xfrm>
+            <a:off x="152400" y="1529147"/>
+            <a:ext cx="11382375" cy="646331"/>
+          </a:xfrm>
+          <a:prstGeom prst="rect">
+            <a:avLst/>
+          </a:prstGeom>
+          <a:noFill/>
+        </p:spPr>
+        <p:txBody>
+          <a:bodyPr wrap="square" rtlCol="0">
+            <a:spAutoFit/>
+          </a:bodyPr>
+          <a:lstStyle/>
+          <a:p>
+            <a:r>
+              <a:rPr lang="it-IT" dirty="0"/>
+              <a:t>Dopo aver minimizzato il valore degli ssr di validazione al variare del numero di armoniche, il numero ottimo di armoniche risulta:</a:t>
+            </a:r>
+          </a:p>
+        </p:txBody>
+      </p:sp>
+    </p:spTree>
+    <p:extLst>
+      <p:ext uri="{BB962C8B-B14F-4D97-AF65-F5344CB8AC3E}">
+        <p14:creationId xmlns:p14="http://schemas.microsoft.com/office/powerpoint/2010/main" val="3254392462"/>
+      </p:ext>
+    </p:extLst>
+  </p:cSld>
+  <p:clrMapOvr>
+    <a:masterClrMapping/>
+  </p:clrMapOvr>
+</p:sld>
+</file>
+
+<file path=ppt/slides/slide13.xml><?xml version="1.0" encoding="utf-8"?>
+<p:sld xmlns:a="http://schemas.openxmlformats.org/drawingml/2006/main" xmlns:r="http://schemas.openxmlformats.org/officeDocument/2006/relationships" xmlns:p="http://schemas.openxmlformats.org/presentationml/2006/main">
+  <p:cSld>
+    <p:spTree>
+      <p:nvGrpSpPr>
+        <p:cNvPr id="1" name=""/>
+        <p:cNvGrpSpPr/>
+        <p:nvPr/>
+      </p:nvGrpSpPr>
+      <p:grpSpPr>
+        <a:xfrm>
+          <a:off x="0" y="0"/>
+          <a:ext cx="0" cy="0"/>
+          <a:chOff x="0" y="0"/>
+          <a:chExt cx="0" cy="0"/>
+        </a:xfrm>
+      </p:grpSpPr>
+      <p:sp>
+        <p:nvSpPr>
+          <p:cNvPr id="3" name="Segnaposto testo 2">
+            <a:extLst>
+              <a:ext uri="{FF2B5EF4-FFF2-40B4-BE49-F238E27FC236}">
+                <a16:creationId xmlns:a16="http://schemas.microsoft.com/office/drawing/2014/main" id="{3AB5D8F0-BCA3-4608-9E22-45C68989C27E}"/>
+              </a:ext>
+            </a:extLst>
+          </p:cNvPr>
+          <p:cNvSpPr>
+            <a:spLocks noGrp="1"/>
+          </p:cNvSpPr>
+          <p:nvPr>
+            <p:ph type="body" sz="half" idx="2"/>
+          </p:nvPr>
+        </p:nvSpPr>
+        <p:spPr/>
+        <p:txBody>
+          <a:bodyPr/>
+          <a:lstStyle/>
+          <a:p>
+            <a:endParaRPr lang="it-IT"/>
+          </a:p>
+        </p:txBody>
+      </p:sp>
+      <p:pic>
+        <p:nvPicPr>
+          <p:cNvPr id="4" name="Immagine 3" descr="Immagine che contiene mappa, testo&#10;&#10;Descrizione generata automaticamente">
+            <a:extLst>
+              <a:ext uri="{FF2B5EF4-FFF2-40B4-BE49-F238E27FC236}">
+                <a16:creationId xmlns:a16="http://schemas.microsoft.com/office/drawing/2014/main" id="{5DB7D335-860A-4AD1-869A-42BD3BF9E364}"/>
+              </a:ext>
+            </a:extLst>
+          </p:cNvPr>
+          <p:cNvPicPr>
+            <a:picLocks noChangeAspect="1"/>
+          </p:cNvPicPr>
+          <p:nvPr/>
+        </p:nvPicPr>
+        <p:blipFill>
+          <a:blip r:embed="rId2">
+            <a:extLst>
+              <a:ext uri="{28A0092B-C50C-407E-A947-70E740481C1C}">
+                <a14:useLocalDpi xmlns:a14="http://schemas.microsoft.com/office/drawing/2010/main" val="0"/>
+              </a:ext>
+            </a:extLst>
+          </a:blip>
+          <a:stretch>
+            <a:fillRect/>
+          </a:stretch>
+        </p:blipFill>
+        <p:spPr>
+          <a:xfrm>
+            <a:off x="0" y="1063570"/>
+            <a:ext cx="12192000" cy="5794430"/>
+          </a:xfrm>
+          <a:prstGeom prst="rect">
+            <a:avLst/>
+          </a:prstGeom>
+        </p:spPr>
+      </p:pic>
+      <p:sp>
+        <p:nvSpPr>
+          <p:cNvPr id="5" name="CasellaDiTesto 4">
+            <a:extLst>
+              <a:ext uri="{FF2B5EF4-FFF2-40B4-BE49-F238E27FC236}">
+                <a16:creationId xmlns:a16="http://schemas.microsoft.com/office/drawing/2014/main" id="{5A0FA544-2CD7-4375-82A0-F26D4289AB7D}"/>
+              </a:ext>
+            </a:extLst>
+          </p:cNvPr>
+          <p:cNvSpPr txBox="1"/>
+          <p:nvPr/>
+        </p:nvSpPr>
+        <p:spPr>
+          <a:xfrm>
+            <a:off x="247650" y="228600"/>
+            <a:ext cx="6734175" cy="584775"/>
+          </a:xfrm>
+          <a:prstGeom prst="rect">
+            <a:avLst/>
+          </a:prstGeom>
+          <a:noFill/>
+        </p:spPr>
+        <p:txBody>
+          <a:bodyPr wrap="square" rtlCol="0">
+            <a:spAutoFit/>
+          </a:bodyPr>
+          <a:lstStyle/>
+          <a:p>
+            <a:r>
+              <a:rPr lang="it-IT" sz="3200" b="1" dirty="0">
+                <a:solidFill>
+                  <a:srgbClr val="FF0000"/>
+                </a:solidFill>
+                <a:effectLst>
+                  <a:outerShdw blurRad="38100" dist="38100" dir="2700000" algn="tl">
+                    <a:srgbClr val="000000">
+                      <a:alpha val="43137"/>
+                    </a:srgbClr>
+                  </a:outerShdw>
+                </a:effectLst>
+              </a:rPr>
+              <a:t>Plot modello di Fourier </a:t>
+            </a:r>
+          </a:p>
+        </p:txBody>
+      </p:sp>
+    </p:spTree>
+    <p:extLst>
+      <p:ext uri="{BB962C8B-B14F-4D97-AF65-F5344CB8AC3E}">
+        <p14:creationId xmlns:p14="http://schemas.microsoft.com/office/powerpoint/2010/main" val="111020541"/>
+      </p:ext>
+    </p:extLst>
+  </p:cSld>
+  <p:clrMapOvr>
+    <a:masterClrMapping/>
+  </p:clrMapOvr>
+</p:sld>
+</file>
+
+<file path=ppt/slides/slide14.xml><?xml version="1.0" encoding="utf-8"?>
+<p:sld xmlns:a="http://schemas.openxmlformats.org/drawingml/2006/main" xmlns:r="http://schemas.openxmlformats.org/officeDocument/2006/relationships" xmlns:p="http://schemas.openxmlformats.org/presentationml/2006/main">
+  <p:cSld>
+    <p:spTree>
+      <p:nvGrpSpPr>
+        <p:cNvPr id="1" name=""/>
+        <p:cNvGrpSpPr/>
+        <p:nvPr/>
+      </p:nvGrpSpPr>
+      <p:grpSpPr>
+        <a:xfrm>
+          <a:off x="0" y="0"/>
+          <a:ext cx="0" cy="0"/>
+          <a:chOff x="0" y="0"/>
+          <a:chExt cx="0" cy="0"/>
+        </a:xfrm>
+      </p:grpSpPr>
+      <p:sp>
+        <p:nvSpPr>
+          <p:cNvPr id="2" name="Titolo 1">
+            <a:extLst>
+              <a:ext uri="{FF2B5EF4-FFF2-40B4-BE49-F238E27FC236}">
+                <a16:creationId xmlns:a16="http://schemas.microsoft.com/office/drawing/2014/main" id="{26DF1A97-D3F5-4022-BEE0-23C1A187458B}"/>
+              </a:ext>
+            </a:extLst>
+          </p:cNvPr>
+          <p:cNvSpPr>
+            <a:spLocks noGrp="1"/>
+          </p:cNvSpPr>
+          <p:nvPr>
+            <p:ph type="title"/>
+          </p:nvPr>
+        </p:nvSpPr>
+        <p:spPr>
+          <a:xfrm>
+            <a:off x="685800" y="347870"/>
+            <a:ext cx="10820400" cy="1898742"/>
+          </a:xfrm>
+        </p:spPr>
+        <p:txBody>
+          <a:bodyPr>
+            <a:normAutofit/>
+          </a:bodyPr>
+          <a:lstStyle/>
+          <a:p>
+            <a:r>
+              <a:rPr lang="it-IT" sz="4400"/>
+              <a:t>Terzo approccio: </a:t>
+            </a:r>
+            <a:br>
+              <a:rPr lang="it-IT" sz="4400" dirty="0"/>
+            </a:br>
+            <a:r>
+              <a:rPr lang="it-IT" sz="4400"/>
+              <a:t>somma di modelli</a:t>
+            </a:r>
+            <a:endParaRPr lang="it-IT" sz="4400" dirty="0"/>
+          </a:p>
+        </p:txBody>
+      </p:sp>
+      <p:sp>
+        <p:nvSpPr>
+          <p:cNvPr id="3" name="Segnaposto testo 2">
+            <a:extLst>
+              <a:ext uri="{FF2B5EF4-FFF2-40B4-BE49-F238E27FC236}">
+                <a16:creationId xmlns:a16="http://schemas.microsoft.com/office/drawing/2014/main" id="{7230869E-87E0-4453-B753-82170F038113}"/>
+              </a:ext>
+            </a:extLst>
+          </p:cNvPr>
+          <p:cNvSpPr>
+            <a:spLocks noGrp="1"/>
+          </p:cNvSpPr>
+          <p:nvPr>
+            <p:ph type="body" sz="half" idx="2"/>
+          </p:nvPr>
+        </p:nvSpPr>
+        <p:spPr>
+          <a:xfrm>
+            <a:off x="685800" y="1918252"/>
+            <a:ext cx="10130516" cy="2802467"/>
+          </a:xfrm>
+        </p:spPr>
+        <p:txBody>
+          <a:bodyPr>
+            <a:noAutofit/>
+          </a:bodyPr>
+          <a:lstStyle/>
+          <a:p>
+            <a:r>
+              <a:rPr lang="it-IT" sz="2000" dirty="0"/>
+              <a:t>Abbiamo considerato un modello per l’andamento dei consumi durante le 24 ore della giornata ed uno per l’andamento dei consumi durante le 52 domeniche dell’anno.</a:t>
+            </a:r>
+            <a:br>
+              <a:rPr lang="it-IT" sz="2000" dirty="0"/>
+            </a:br>
+            <a:r>
+              <a:rPr lang="it-IT" sz="2000" dirty="0"/>
+              <a:t>Il modello complessivo è ottenuto sommando questi ed aggiungendo il trend previsto.</a:t>
+            </a:r>
+          </a:p>
+          <a:p>
+            <a:r>
+              <a:rPr lang="it-IT" sz="2000" dirty="0">
+                <a:solidFill>
+                  <a:schemeClr val="accent6">
+                    <a:lumMod val="75000"/>
+                  </a:schemeClr>
+                </a:solidFill>
+              </a:rPr>
+              <a:t>RISULTATO</a:t>
+            </a:r>
+            <a:br>
+              <a:rPr lang="it-IT" sz="2000" dirty="0"/>
+            </a:br>
+            <a:r>
+              <a:rPr lang="it-IT" sz="2000" dirty="0"/>
+              <a:t>L’ssr di validazione ottenuto con questo modello è migliore solo del 3% rispetto al modello di Fourier</a:t>
+            </a:r>
+          </a:p>
+        </p:txBody>
+      </p:sp>
+    </p:spTree>
+    <p:extLst>
+      <p:ext uri="{BB962C8B-B14F-4D97-AF65-F5344CB8AC3E}">
+        <p14:creationId xmlns:p14="http://schemas.microsoft.com/office/powerpoint/2010/main" val="1032775810"/>
+      </p:ext>
+    </p:extLst>
+  </p:cSld>
+  <p:clrMapOvr>
+    <a:masterClrMapping/>
+  </p:clrMapOvr>
+</p:sld>
+</file>
+
+<file path=ppt/slides/slide15.xml><?xml version="1.0" encoding="utf-8"?>
+<p:sld xmlns:a="http://schemas.openxmlformats.org/drawingml/2006/main" xmlns:r="http://schemas.openxmlformats.org/officeDocument/2006/relationships" xmlns:p="http://schemas.openxmlformats.org/presentationml/2006/main">
+  <p:cSld>
+    <p:spTree>
+      <p:nvGrpSpPr>
+        <p:cNvPr id="1" name=""/>
+        <p:cNvGrpSpPr/>
+        <p:nvPr/>
+      </p:nvGrpSpPr>
+      <p:grpSpPr>
+        <a:xfrm>
+          <a:off x="0" y="0"/>
+          <a:ext cx="0" cy="0"/>
+          <a:chOff x="0" y="0"/>
+          <a:chExt cx="0" cy="0"/>
+        </a:xfrm>
+      </p:grpSpPr>
+      <p:pic>
+        <p:nvPicPr>
+          <p:cNvPr id="4" name="Immagine 3" descr="Immagine che contiene screenshot&#10;&#10;Descrizione generata automaticamente">
+            <a:extLst>
+              <a:ext uri="{FF2B5EF4-FFF2-40B4-BE49-F238E27FC236}">
+                <a16:creationId xmlns:a16="http://schemas.microsoft.com/office/drawing/2014/main" id="{DD21432D-C5DC-4533-96A3-5FB94CD1F1BA}"/>
+              </a:ext>
+            </a:extLst>
+          </p:cNvPr>
+          <p:cNvPicPr>
+            <a:picLocks noChangeAspect="1"/>
+          </p:cNvPicPr>
+          <p:nvPr/>
+        </p:nvPicPr>
+        <p:blipFill>
+          <a:blip r:embed="rId2">
+            <a:extLst>
+              <a:ext uri="{28A0092B-C50C-407E-A947-70E740481C1C}">
+                <a14:useLocalDpi xmlns:a14="http://schemas.microsoft.com/office/drawing/2010/main" val="0"/>
+              </a:ext>
+            </a:extLst>
+          </a:blip>
+          <a:stretch>
+            <a:fillRect/>
+          </a:stretch>
+        </p:blipFill>
+        <p:spPr>
+          <a:xfrm>
+            <a:off x="0" y="1"/>
+            <a:ext cx="12192000" cy="5934670"/>
+          </a:xfrm>
+          <a:prstGeom prst="rect">
+            <a:avLst/>
+          </a:prstGeom>
+        </p:spPr>
+      </p:pic>
+      <p:sp>
+        <p:nvSpPr>
+          <p:cNvPr id="6" name="CasellaDiTesto 5">
+            <a:extLst>
+              <a:ext uri="{FF2B5EF4-FFF2-40B4-BE49-F238E27FC236}">
+                <a16:creationId xmlns:a16="http://schemas.microsoft.com/office/drawing/2014/main" id="{AC80BC01-7351-48F8-9806-B93A4232AFAB}"/>
+              </a:ext>
+            </a:extLst>
+          </p:cNvPr>
+          <p:cNvSpPr txBox="1"/>
+          <p:nvPr/>
+        </p:nvSpPr>
+        <p:spPr>
+          <a:xfrm>
+            <a:off x="0" y="5934670"/>
+            <a:ext cx="11519452" cy="923330"/>
+          </a:xfrm>
+          <a:prstGeom prst="rect">
+            <a:avLst/>
+          </a:prstGeom>
+          <a:noFill/>
+        </p:spPr>
+        <p:txBody>
+          <a:bodyPr wrap="square" rtlCol="0">
+            <a:spAutoFit/>
+          </a:bodyPr>
+          <a:lstStyle/>
+          <a:p>
+            <a:r>
+              <a:rPr lang="it-IT" b="1" dirty="0">
+                <a:solidFill>
+                  <a:schemeClr val="accent6">
+                    <a:lumMod val="75000"/>
+                  </a:schemeClr>
+                </a:solidFill>
+              </a:rPr>
+              <a:t>OSSERVAZIONE</a:t>
+            </a:r>
+          </a:p>
+          <a:p>
+            <a:r>
+              <a:rPr lang="it-IT" dirty="0"/>
+              <a:t>Gli andamenti orari nell’arco di una giornata risultano essere diversi in base alla stagione. Questa potrebbe essere la ragione della scarsa precisione del modello precedente. </a:t>
+            </a:r>
+          </a:p>
+        </p:txBody>
+      </p:sp>
+    </p:spTree>
+    <p:extLst>
+      <p:ext uri="{BB962C8B-B14F-4D97-AF65-F5344CB8AC3E}">
+        <p14:creationId xmlns:p14="http://schemas.microsoft.com/office/powerpoint/2010/main" val="2844107756"/>
+      </p:ext>
+    </p:extLst>
+  </p:cSld>
+  <p:clrMapOvr>
+    <a:masterClrMapping/>
+  </p:clrMapOvr>
+</p:sld>
+</file>
+
+<file path=ppt/slides/slide16.xml><?xml version="1.0" encoding="utf-8"?>
+<p:sld xmlns:a="http://schemas.openxmlformats.org/drawingml/2006/main" xmlns:r="http://schemas.openxmlformats.org/officeDocument/2006/relationships" xmlns:p="http://schemas.openxmlformats.org/presentationml/2006/main">
+  <p:cSld>
+    <p:spTree>
+      <p:nvGrpSpPr>
+        <p:cNvPr id="1" name=""/>
+        <p:cNvGrpSpPr/>
+        <p:nvPr/>
+      </p:nvGrpSpPr>
+      <p:grpSpPr>
+        <a:xfrm>
+          <a:off x="0" y="0"/>
+          <a:ext cx="0" cy="0"/>
+          <a:chOff x="0" y="0"/>
+          <a:chExt cx="0" cy="0"/>
+        </a:xfrm>
+      </p:grpSpPr>
+      <p:sp>
+        <p:nvSpPr>
+          <p:cNvPr id="2" name="Titolo 1">
+            <a:extLst>
+              <a:ext uri="{FF2B5EF4-FFF2-40B4-BE49-F238E27FC236}">
+                <a16:creationId xmlns:a16="http://schemas.microsoft.com/office/drawing/2014/main" id="{26DF1A97-D3F5-4022-BEE0-23C1A187458B}"/>
+              </a:ext>
+            </a:extLst>
+          </p:cNvPr>
+          <p:cNvSpPr>
+            <a:spLocks noGrp="1"/>
+          </p:cNvSpPr>
+          <p:nvPr>
+            <p:ph type="title"/>
+          </p:nvPr>
+        </p:nvSpPr>
+        <p:spPr>
+          <a:xfrm>
+            <a:off x="685800" y="347870"/>
+            <a:ext cx="10820400" cy="1898742"/>
+          </a:xfrm>
+        </p:spPr>
+        <p:txBody>
+          <a:bodyPr>
+            <a:normAutofit/>
+          </a:bodyPr>
+          <a:lstStyle/>
+          <a:p>
+            <a:r>
+              <a:rPr lang="it-IT" sz="4400" dirty="0"/>
+              <a:t>MODELLO DEFINITIVO: </a:t>
+            </a:r>
+            <a:br>
+              <a:rPr lang="it-IT" sz="4400" dirty="0"/>
+            </a:br>
+            <a:r>
+              <a:rPr lang="it-IT" sz="4400" dirty="0"/>
+              <a:t>SOMMA MODELLI CON Stagionalità </a:t>
+            </a:r>
+          </a:p>
+        </p:txBody>
+      </p:sp>
+      <p:sp>
+        <p:nvSpPr>
+          <p:cNvPr id="3" name="Segnaposto testo 2">
+            <a:extLst>
+              <a:ext uri="{FF2B5EF4-FFF2-40B4-BE49-F238E27FC236}">
+                <a16:creationId xmlns:a16="http://schemas.microsoft.com/office/drawing/2014/main" id="{7230869E-87E0-4453-B753-82170F038113}"/>
+              </a:ext>
+            </a:extLst>
+          </p:cNvPr>
+          <p:cNvSpPr>
+            <a:spLocks noGrp="1"/>
+          </p:cNvSpPr>
+          <p:nvPr>
+            <p:ph type="body" sz="half" idx="2"/>
+          </p:nvPr>
+        </p:nvSpPr>
+        <p:spPr>
+          <a:xfrm>
+            <a:off x="685800" y="1918252"/>
+            <a:ext cx="10130516" cy="2802467"/>
+          </a:xfrm>
+        </p:spPr>
+        <p:txBody>
+          <a:bodyPr>
+            <a:noAutofit/>
+          </a:bodyPr>
+          <a:lstStyle/>
+          <a:p>
+            <a:r>
+              <a:rPr lang="it-IT" sz="2000" dirty="0"/>
+              <a:t>L’andamento sulle 24 ore dei consumi è stato stimato separatamente per le quattro stagioni. </a:t>
+            </a:r>
+            <a:br>
+              <a:rPr lang="it-IT" sz="2000" dirty="0"/>
+            </a:br>
+            <a:r>
+              <a:rPr lang="it-IT" sz="2000" dirty="0"/>
+              <a:t>Il modello dei consumi giornalieri delle 52 domeniche rimane uguale a quello precedente. </a:t>
+            </a:r>
+          </a:p>
+        </p:txBody>
+      </p:sp>
+    </p:spTree>
+    <p:extLst>
+      <p:ext uri="{BB962C8B-B14F-4D97-AF65-F5344CB8AC3E}">
+        <p14:creationId xmlns:p14="http://schemas.microsoft.com/office/powerpoint/2010/main" val="1883322154"/>
+      </p:ext>
+    </p:extLst>
+  </p:cSld>
+  <p:clrMapOvr>
+    <a:masterClrMapping/>
+  </p:clrMapOvr>
+</p:sld>
+</file>
+
+<file path=ppt/slides/slide17.xml><?xml version="1.0" encoding="utf-8"?>
+<p:sld xmlns:a="http://schemas.openxmlformats.org/drawingml/2006/main" xmlns:r="http://schemas.openxmlformats.org/officeDocument/2006/relationships" xmlns:p="http://schemas.openxmlformats.org/presentationml/2006/main">
+  <p:cSld>
+    <p:spTree>
+      <p:nvGrpSpPr>
+        <p:cNvPr id="1" name=""/>
+        <p:cNvGrpSpPr/>
+        <p:nvPr/>
+      </p:nvGrpSpPr>
+      <p:grpSpPr>
+        <a:xfrm>
+          <a:off x="0" y="0"/>
+          <a:ext cx="0" cy="0"/>
+          <a:chOff x="0" y="0"/>
+          <a:chExt cx="0" cy="0"/>
+        </a:xfrm>
+      </p:grpSpPr>
+      <p:pic>
+        <p:nvPicPr>
+          <p:cNvPr id="5" name="Segnaposto contenuto 4">
+            <a:extLst>
+              <a:ext uri="{FF2B5EF4-FFF2-40B4-BE49-F238E27FC236}">
+                <a16:creationId xmlns:a16="http://schemas.microsoft.com/office/drawing/2014/main" id="{FAAFE8C9-2935-4727-BB02-32940DF2FAAC}"/>
+              </a:ext>
+            </a:extLst>
+          </p:cNvPr>
+          <p:cNvPicPr>
+            <a:picLocks noGrp="1" noChangeAspect="1"/>
+          </p:cNvPicPr>
+          <p:nvPr>
+            <p:ph idx="1"/>
+          </p:nvPr>
+        </p:nvPicPr>
+        <p:blipFill>
+          <a:blip r:embed="rId2">
+            <a:extLst>
+              <a:ext uri="{28A0092B-C50C-407E-A947-70E740481C1C}">
+                <a14:useLocalDpi xmlns:a14="http://schemas.microsoft.com/office/drawing/2010/main" val="0"/>
+              </a:ext>
+            </a:extLst>
+          </a:blip>
+          <a:stretch>
+            <a:fillRect/>
+          </a:stretch>
+        </p:blipFill>
+        <p:spPr>
+          <a:xfrm>
+            <a:off x="1345411" y="1284375"/>
+            <a:ext cx="7354326" cy="2522312"/>
+          </a:xfrm>
+        </p:spPr>
+      </p:pic>
+      <p:sp>
+        <p:nvSpPr>
+          <p:cNvPr id="7" name="Rettangolo 6">
+            <a:extLst>
+              <a:ext uri="{FF2B5EF4-FFF2-40B4-BE49-F238E27FC236}">
+                <a16:creationId xmlns:a16="http://schemas.microsoft.com/office/drawing/2014/main" id="{67400D2D-7416-40C7-BE71-CCDAA1729EC9}"/>
+              </a:ext>
+            </a:extLst>
+          </p:cNvPr>
+          <p:cNvSpPr/>
+          <p:nvPr/>
+        </p:nvSpPr>
+        <p:spPr>
+          <a:xfrm>
+            <a:off x="5119381" y="514934"/>
+            <a:ext cx="7160712" cy="769441"/>
+          </a:xfrm>
+          <a:prstGeom prst="rect">
+            <a:avLst/>
+          </a:prstGeom>
+        </p:spPr>
+        <p:txBody>
+          <a:bodyPr wrap="square">
+            <a:spAutoFit/>
+          </a:bodyPr>
+          <a:lstStyle/>
+          <a:p>
+            <a:r>
+              <a:rPr lang="it-IT" sz="4400" dirty="0">
+                <a:solidFill>
+                  <a:srgbClr val="FF0000"/>
+                </a:solidFill>
+                <a:effectLst>
+                  <a:outerShdw blurRad="38100" dist="38100" dir="2700000" algn="tl">
+                    <a:srgbClr val="000000">
+                      <a:alpha val="43137"/>
+                    </a:srgbClr>
+                  </a:outerShdw>
+                </a:effectLst>
+              </a:rPr>
+              <a:t>MODELLO GIORNALIERO</a:t>
+            </a:r>
+            <a:endParaRPr lang="it-IT" sz="4400" dirty="0"/>
+          </a:p>
+        </p:txBody>
+      </p:sp>
+      <p:pic>
+        <p:nvPicPr>
+          <p:cNvPr id="11" name="Immagine 10" descr="Immagine che contiene musica&#10;&#10;Descrizione generata automaticamente">
+            <a:extLst>
+              <a:ext uri="{FF2B5EF4-FFF2-40B4-BE49-F238E27FC236}">
+                <a16:creationId xmlns:a16="http://schemas.microsoft.com/office/drawing/2014/main" id="{3A12C6E7-A27A-4C02-8CAA-1D1478D2B44F}"/>
+              </a:ext>
+            </a:extLst>
+          </p:cNvPr>
+          <p:cNvPicPr>
+            <a:picLocks noChangeAspect="1"/>
+          </p:cNvPicPr>
+          <p:nvPr/>
         </p:nvPicPr>
         <p:blipFill>
           <a:blip r:embed="rId3">
@@ -6284,15 +7202,212 @@
         </p:blipFill>
         <p:spPr>
           <a:xfrm>
-            <a:off x="5015345" y="2729520"/>
-            <a:ext cx="7025085" cy="4024313"/>
-          </a:xfrm>
+            <a:off x="3307047" y="3239947"/>
+            <a:ext cx="6822772" cy="3452331"/>
+          </a:xfrm>
+          <a:prstGeom prst="rect">
+            <a:avLst/>
+          </a:prstGeom>
         </p:spPr>
       </p:pic>
     </p:spTree>
     <p:extLst>
       <p:ext uri="{BB962C8B-B14F-4D97-AF65-F5344CB8AC3E}">
-        <p14:creationId xmlns:p14="http://schemas.microsoft.com/office/powerpoint/2010/main" val="1922628029"/>
+        <p14:creationId xmlns:p14="http://schemas.microsoft.com/office/powerpoint/2010/main" val="652573642"/>
+      </p:ext>
+    </p:extLst>
+  </p:cSld>
+  <p:clrMapOvr>
+    <a:masterClrMapping/>
+  </p:clrMapOvr>
+</p:sld>
+</file>
+
+<file path=ppt/slides/slide18.xml><?xml version="1.0" encoding="utf-8"?>
+<p:sld xmlns:a="http://schemas.openxmlformats.org/drawingml/2006/main" xmlns:r="http://schemas.openxmlformats.org/officeDocument/2006/relationships" xmlns:p="http://schemas.openxmlformats.org/presentationml/2006/main">
+  <p:cSld>
+    <p:spTree>
+      <p:nvGrpSpPr>
+        <p:cNvPr id="1" name=""/>
+        <p:cNvGrpSpPr/>
+        <p:nvPr/>
+      </p:nvGrpSpPr>
+      <p:grpSpPr>
+        <a:xfrm>
+          <a:off x="0" y="0"/>
+          <a:ext cx="0" cy="0"/>
+          <a:chOff x="0" y="0"/>
+          <a:chExt cx="0" cy="0"/>
+        </a:xfrm>
+      </p:grpSpPr>
+      <p:sp>
+        <p:nvSpPr>
+          <p:cNvPr id="2" name="Titolo 1">
+            <a:extLst>
+              <a:ext uri="{FF2B5EF4-FFF2-40B4-BE49-F238E27FC236}">
+                <a16:creationId xmlns:a16="http://schemas.microsoft.com/office/drawing/2014/main" id="{26972840-31BC-4CE4-A0D9-685C2DAF8CD1}"/>
+              </a:ext>
+            </a:extLst>
+          </p:cNvPr>
+          <p:cNvSpPr>
+            <a:spLocks noGrp="1"/>
+          </p:cNvSpPr>
+          <p:nvPr>
+            <p:ph type="title"/>
+          </p:nvPr>
+        </p:nvSpPr>
+        <p:spPr>
+          <a:xfrm>
+            <a:off x="4681330" y="525181"/>
+            <a:ext cx="7109791" cy="1293028"/>
+          </a:xfrm>
+        </p:spPr>
+        <p:txBody>
+          <a:bodyPr>
+            <a:noAutofit/>
+          </a:bodyPr>
+          <a:lstStyle/>
+          <a:p>
+            <a:r>
+              <a:rPr lang="it-IT" sz="5400" dirty="0">
+                <a:solidFill>
+                  <a:srgbClr val="FF0000"/>
+                </a:solidFill>
+                <a:effectLst>
+                  <a:outerShdw blurRad="38100" dist="38100" dir="2700000" algn="tl">
+                    <a:srgbClr val="000000">
+                      <a:alpha val="43137"/>
+                    </a:srgbClr>
+                  </a:outerShdw>
+                </a:effectLst>
+              </a:rPr>
+              <a:t>Modello orario</a:t>
+            </a:r>
+            <a:br>
+              <a:rPr lang="it-IT" sz="5400" dirty="0"/>
+            </a:br>
+            <a:endParaRPr lang="it-IT" sz="5400" dirty="0"/>
+          </a:p>
+        </p:txBody>
+      </p:sp>
+      <p:pic>
+        <p:nvPicPr>
+          <p:cNvPr id="5" name="Segnaposto contenuto 4">
+            <a:extLst>
+              <a:ext uri="{FF2B5EF4-FFF2-40B4-BE49-F238E27FC236}">
+                <a16:creationId xmlns:a16="http://schemas.microsoft.com/office/drawing/2014/main" id="{C8FB3999-D9CA-4B7D-9341-8E1070D26448}"/>
+              </a:ext>
+            </a:extLst>
+          </p:cNvPr>
+          <p:cNvPicPr>
+            <a:picLocks noGrp="1" noChangeAspect="1"/>
+          </p:cNvPicPr>
+          <p:nvPr>
+            <p:ph idx="1"/>
+          </p:nvPr>
+        </p:nvPicPr>
+        <p:blipFill>
+          <a:blip r:embed="rId2">
+            <a:extLst>
+              <a:ext uri="{28A0092B-C50C-407E-A947-70E740481C1C}">
+                <a14:useLocalDpi xmlns:a14="http://schemas.microsoft.com/office/drawing/2010/main" val="0"/>
+              </a:ext>
+            </a:extLst>
+          </a:blip>
+          <a:stretch>
+            <a:fillRect/>
+          </a:stretch>
+        </p:blipFill>
+        <p:spPr>
+          <a:xfrm>
+            <a:off x="0" y="2057400"/>
+            <a:ext cx="4393096" cy="3091069"/>
+          </a:xfrm>
+        </p:spPr>
+      </p:pic>
+      <p:pic>
+        <p:nvPicPr>
+          <p:cNvPr id="9" name="Immagine 8">
+            <a:extLst>
+              <a:ext uri="{FF2B5EF4-FFF2-40B4-BE49-F238E27FC236}">
+                <a16:creationId xmlns:a16="http://schemas.microsoft.com/office/drawing/2014/main" id="{694E96B9-7325-4590-966D-AE5F6279EEBC}"/>
+              </a:ext>
+            </a:extLst>
+          </p:cNvPr>
+          <p:cNvPicPr>
+            <a:picLocks noChangeAspect="1"/>
+          </p:cNvPicPr>
+          <p:nvPr/>
+        </p:nvPicPr>
+        <p:blipFill>
+          <a:blip r:embed="rId3">
+            <a:extLst>
+              <a:ext uri="{28A0092B-C50C-407E-A947-70E740481C1C}">
+                <a14:useLocalDpi xmlns:a14="http://schemas.microsoft.com/office/drawing/2010/main" val="0"/>
+              </a:ext>
+            </a:extLst>
+          </a:blip>
+          <a:stretch>
+            <a:fillRect/>
+          </a:stretch>
+        </p:blipFill>
+        <p:spPr>
+          <a:xfrm>
+            <a:off x="3985591" y="1818209"/>
+            <a:ext cx="8110331" cy="4225593"/>
+          </a:xfrm>
+          <a:prstGeom prst="rect">
+            <a:avLst/>
+          </a:prstGeom>
+        </p:spPr>
+      </p:pic>
+      <p:sp>
+        <p:nvSpPr>
+          <p:cNvPr id="10" name="CasellaDiTesto 9">
+            <a:extLst>
+              <a:ext uri="{FF2B5EF4-FFF2-40B4-BE49-F238E27FC236}">
+                <a16:creationId xmlns:a16="http://schemas.microsoft.com/office/drawing/2014/main" id="{B3BC39B9-12FD-46AA-9F75-39707C287DB8}"/>
+              </a:ext>
+            </a:extLst>
+          </p:cNvPr>
+          <p:cNvSpPr txBox="1"/>
+          <p:nvPr/>
+        </p:nvSpPr>
+        <p:spPr>
+          <a:xfrm>
+            <a:off x="467139" y="6043802"/>
+            <a:ext cx="11628783" cy="646331"/>
+          </a:xfrm>
+          <a:prstGeom prst="rect">
+            <a:avLst/>
+          </a:prstGeom>
+          <a:noFill/>
+        </p:spPr>
+        <p:txBody>
+          <a:bodyPr wrap="square" rtlCol="0">
+            <a:spAutoFit/>
+          </a:bodyPr>
+          <a:lstStyle/>
+          <a:p>
+            <a:r>
+              <a:rPr lang="it-IT" dirty="0"/>
+              <a:t>Si calcolano i quattro stimatori utilizzando la stessa </a:t>
+            </a:r>
+            <a:r>
+              <a:rPr lang="it-IT" b="1" dirty="0"/>
+              <a:t>phiF </a:t>
+            </a:r>
+            <a:r>
+              <a:rPr lang="it-IT" dirty="0"/>
+              <a:t>e per ciascuno i dati relativi alla stagione considerata. </a:t>
+            </a:r>
+          </a:p>
+        </p:txBody>
+      </p:sp>
+    </p:spTree>
+    <p:extLst>
+      <p:ext uri="{BB962C8B-B14F-4D97-AF65-F5344CB8AC3E}">
+        <p14:creationId xmlns:p14="http://schemas.microsoft.com/office/powerpoint/2010/main" val="2117560641"/>
       </p:ext>
     </p:extLst>
   </p:cSld>
@@ -6637,7 +7752,7 @@
             <a:pPr lvl="1"/>
             <a:r>
               <a:rPr lang="it-IT" sz="2800" dirty="0"/>
-              <a:t>Predire il consumo della domenica mediante una funzione Matlab che prenda in ingresso tre vettori (giorno dell’anno, ora del giorno, serie temporale); </a:t>
+              <a:t>Predire il consumo di una domenica  dell’anno successivo a quelli dati mediante una funzione Matlab che prenda in ingresso due scalari, ora e giorno. </a:t>
             </a:r>
           </a:p>
         </p:txBody>
@@ -6656,6 +7771,272 @@
 </file>
 
 <file path=ppt/slides/slide3.xml><?xml version="1.0" encoding="utf-8"?>
+<p:sld xmlns:a="http://schemas.openxmlformats.org/drawingml/2006/main" xmlns:r="http://schemas.openxmlformats.org/officeDocument/2006/relationships" xmlns:p="http://schemas.openxmlformats.org/presentationml/2006/main">
+  <p:cSld>
+    <p:spTree>
+      <p:nvGrpSpPr>
+        <p:cNvPr id="1" name=""/>
+        <p:cNvGrpSpPr/>
+        <p:nvPr/>
+      </p:nvGrpSpPr>
+      <p:grpSpPr>
+        <a:xfrm>
+          <a:off x="0" y="0"/>
+          <a:ext cx="0" cy="0"/>
+          <a:chOff x="0" y="0"/>
+          <a:chExt cx="0" cy="0"/>
+        </a:xfrm>
+      </p:grpSpPr>
+      <p:sp>
+        <p:nvSpPr>
+          <p:cNvPr id="3" name="Segnaposto testo 2">
+            <a:extLst>
+              <a:ext uri="{FF2B5EF4-FFF2-40B4-BE49-F238E27FC236}">
+                <a16:creationId xmlns:a16="http://schemas.microsoft.com/office/drawing/2014/main" id="{0C4E0C6D-306F-4549-8970-596B6DB42F2A}"/>
+              </a:ext>
+            </a:extLst>
+          </p:cNvPr>
+          <p:cNvSpPr>
+            <a:spLocks noGrp="1"/>
+          </p:cNvSpPr>
+          <p:nvPr>
+            <p:ph type="body" idx="1"/>
+          </p:nvPr>
+        </p:nvSpPr>
+        <p:spPr>
+          <a:xfrm>
+            <a:off x="457199" y="1251348"/>
+            <a:ext cx="11277600" cy="823912"/>
+          </a:xfrm>
+        </p:spPr>
+        <p:txBody>
+          <a:bodyPr>
+            <a:normAutofit fontScale="77500" lnSpcReduction="20000"/>
+          </a:bodyPr>
+          <a:lstStyle/>
+          <a:p>
+            <a:r>
+              <a:rPr lang="it-IT" dirty="0"/>
+              <a:t>Nell’identificazione vengono considerati solo i consumi relativi alle domeniche. Si nota, infatti, che questi seguono un andamento diverso rispetto agli altri giorni: </a:t>
+            </a:r>
+          </a:p>
+        </p:txBody>
+      </p:sp>
+      <p:pic>
+        <p:nvPicPr>
+          <p:cNvPr id="8" name="Segnaposto contenuto 7">
+            <a:extLst>
+              <a:ext uri="{FF2B5EF4-FFF2-40B4-BE49-F238E27FC236}">
+                <a16:creationId xmlns:a16="http://schemas.microsoft.com/office/drawing/2014/main" id="{D128F659-A318-45FF-8F9F-CA172A3C0CB2}"/>
+              </a:ext>
+            </a:extLst>
+          </p:cNvPr>
+          <p:cNvPicPr>
+            <a:picLocks noGrp="1" noChangeAspect="1"/>
+          </p:cNvPicPr>
+          <p:nvPr>
+            <p:ph sz="half" idx="2"/>
+          </p:nvPr>
+        </p:nvPicPr>
+        <p:blipFill>
+          <a:blip r:embed="rId2">
+            <a:extLst>
+              <a:ext uri="{28A0092B-C50C-407E-A947-70E740481C1C}">
+                <a14:useLocalDpi xmlns:a14="http://schemas.microsoft.com/office/drawing/2010/main" val="0"/>
+              </a:ext>
+            </a:extLst>
+          </a:blip>
+          <a:stretch>
+            <a:fillRect/>
+          </a:stretch>
+        </p:blipFill>
+        <p:spPr>
+          <a:xfrm>
+            <a:off x="245648" y="2230446"/>
+            <a:ext cx="5751927" cy="3064704"/>
+          </a:xfrm>
+        </p:spPr>
+      </p:pic>
+      <p:pic>
+        <p:nvPicPr>
+          <p:cNvPr id="10" name="Segnaposto contenuto 9">
+            <a:extLst>
+              <a:ext uri="{FF2B5EF4-FFF2-40B4-BE49-F238E27FC236}">
+                <a16:creationId xmlns:a16="http://schemas.microsoft.com/office/drawing/2014/main" id="{AF81155F-0B5C-403C-B20C-13754D75065A}"/>
+              </a:ext>
+            </a:extLst>
+          </p:cNvPr>
+          <p:cNvPicPr>
+            <a:picLocks noGrp="1" noChangeAspect="1"/>
+          </p:cNvPicPr>
+          <p:nvPr>
+            <p:ph sz="quarter" idx="4"/>
+          </p:nvPr>
+        </p:nvPicPr>
+        <p:blipFill>
+          <a:blip r:embed="rId3">
+            <a:extLst>
+              <a:ext uri="{28A0092B-C50C-407E-A947-70E740481C1C}">
+                <a14:useLocalDpi xmlns:a14="http://schemas.microsoft.com/office/drawing/2010/main" val="0"/>
+              </a:ext>
+            </a:extLst>
+          </a:blip>
+          <a:stretch>
+            <a:fillRect/>
+          </a:stretch>
+        </p:blipFill>
+        <p:spPr>
+          <a:xfrm>
+            <a:off x="6156683" y="2230446"/>
+            <a:ext cx="5789669" cy="3082567"/>
+          </a:xfrm>
+        </p:spPr>
+      </p:pic>
+      <p:sp>
+        <p:nvSpPr>
+          <p:cNvPr id="11" name="CasellaDiTesto 10">
+            <a:extLst>
+              <a:ext uri="{FF2B5EF4-FFF2-40B4-BE49-F238E27FC236}">
+                <a16:creationId xmlns:a16="http://schemas.microsoft.com/office/drawing/2014/main" id="{4AC9372E-636E-44D4-A031-EC2E8A19B88B}"/>
+              </a:ext>
+            </a:extLst>
+          </p:cNvPr>
+          <p:cNvSpPr txBox="1"/>
+          <p:nvPr/>
+        </p:nvSpPr>
+        <p:spPr>
+          <a:xfrm>
+            <a:off x="176074" y="5400137"/>
+            <a:ext cx="6192077" cy="369332"/>
+          </a:xfrm>
+          <a:prstGeom prst="rect">
+            <a:avLst/>
+          </a:prstGeom>
+          <a:noFill/>
+        </p:spPr>
+        <p:txBody>
+          <a:bodyPr wrap="square" rtlCol="0">
+            <a:spAutoFit/>
+          </a:bodyPr>
+          <a:lstStyle/>
+          <a:p>
+            <a:r>
+              <a:rPr lang="it-IT" dirty="0"/>
+              <a:t>Media dei consumi di ogni giorno della settimana</a:t>
+            </a:r>
+          </a:p>
+        </p:txBody>
+      </p:sp>
+      <p:sp>
+        <p:nvSpPr>
+          <p:cNvPr id="12" name="CasellaDiTesto 11">
+            <a:extLst>
+              <a:ext uri="{FF2B5EF4-FFF2-40B4-BE49-F238E27FC236}">
+                <a16:creationId xmlns:a16="http://schemas.microsoft.com/office/drawing/2014/main" id="{5C8B8F51-2D41-48AA-8D55-E8BD8FDDE37E}"/>
+              </a:ext>
+            </a:extLst>
+          </p:cNvPr>
+          <p:cNvSpPr txBox="1"/>
+          <p:nvPr/>
+        </p:nvSpPr>
+        <p:spPr>
+          <a:xfrm>
+            <a:off x="6987075" y="5363735"/>
+            <a:ext cx="4403168" cy="369332"/>
+          </a:xfrm>
+          <a:prstGeom prst="rect">
+            <a:avLst/>
+          </a:prstGeom>
+          <a:noFill/>
+        </p:spPr>
+        <p:txBody>
+          <a:bodyPr wrap="square" rtlCol="0">
+            <a:spAutoFit/>
+          </a:bodyPr>
+          <a:lstStyle/>
+          <a:p>
+            <a:r>
+              <a:rPr lang="it-IT" dirty="0"/>
+              <a:t>Media dei consumi sulle 24 ore</a:t>
+            </a:r>
+          </a:p>
+        </p:txBody>
+      </p:sp>
+      <p:sp>
+        <p:nvSpPr>
+          <p:cNvPr id="13" name="CasellaDiTesto 12">
+            <a:extLst>
+              <a:ext uri="{FF2B5EF4-FFF2-40B4-BE49-F238E27FC236}">
+                <a16:creationId xmlns:a16="http://schemas.microsoft.com/office/drawing/2014/main" id="{8B2F0B03-7CBD-41EE-9DC5-72E21DEE8AF9}"/>
+              </a:ext>
+            </a:extLst>
+          </p:cNvPr>
+          <p:cNvSpPr txBox="1"/>
+          <p:nvPr/>
+        </p:nvSpPr>
+        <p:spPr>
+          <a:xfrm>
+            <a:off x="4542182" y="6488668"/>
+            <a:ext cx="8130209" cy="369332"/>
+          </a:xfrm>
+          <a:prstGeom prst="rect">
+            <a:avLst/>
+          </a:prstGeom>
+          <a:noFill/>
+        </p:spPr>
+        <p:txBody>
+          <a:bodyPr wrap="square" rtlCol="0">
+            <a:spAutoFit/>
+          </a:bodyPr>
+          <a:lstStyle/>
+          <a:p>
+            <a:r>
+              <a:rPr lang="it-IT" i="1" dirty="0"/>
+              <a:t>In </a:t>
+            </a:r>
+            <a:r>
+              <a:rPr lang="it-IT" i="1" dirty="0">
+                <a:solidFill>
+                  <a:srgbClr val="FF0000"/>
+                </a:solidFill>
+              </a:rPr>
+              <a:t>rosso</a:t>
+            </a:r>
+            <a:r>
+              <a:rPr lang="it-IT" i="1" dirty="0"/>
+              <a:t> i consumi delle domeniche, in </a:t>
+            </a:r>
+            <a:r>
+              <a:rPr lang="it-IT" i="1" dirty="0">
+                <a:solidFill>
+                  <a:schemeClr val="accent6">
+                    <a:lumMod val="75000"/>
+                  </a:schemeClr>
+                </a:solidFill>
+              </a:rPr>
+              <a:t>blu</a:t>
+            </a:r>
+            <a:r>
+              <a:rPr lang="it-IT" i="1" dirty="0"/>
+              <a:t> i consumi degli altri giorni.</a:t>
+            </a:r>
+          </a:p>
+        </p:txBody>
+      </p:sp>
+    </p:spTree>
+    <p:extLst>
+      <p:ext uri="{BB962C8B-B14F-4D97-AF65-F5344CB8AC3E}">
+        <p14:creationId xmlns:p14="http://schemas.microsoft.com/office/powerpoint/2010/main" val="2663372426"/>
+      </p:ext>
+    </p:extLst>
+  </p:cSld>
+  <p:clrMapOvr>
+    <a:masterClrMapping/>
+  </p:clrMapOvr>
+</p:sld>
+</file>
+
+<file path=ppt/slides/slide4.xml><?xml version="1.0" encoding="utf-8"?>
 <p:sld xmlns:a="http://schemas.openxmlformats.org/drawingml/2006/main" xmlns:r="http://schemas.openxmlformats.org/officeDocument/2006/relationships" xmlns:p="http://schemas.openxmlformats.org/presentationml/2006/main" showMasterSp="0">
   <p:cSld>
     <p:bg>
@@ -6794,7 +8175,7 @@
 </p:sld>
 </file>
 
-<file path=ppt/slides/slide4.xml><?xml version="1.0" encoding="utf-8"?>
+<file path=ppt/slides/slide5.xml><?xml version="1.0" encoding="utf-8"?>
 <p:sld xmlns:a="http://schemas.openxmlformats.org/drawingml/2006/main" xmlns:r="http://schemas.openxmlformats.org/officeDocument/2006/relationships" xmlns:p="http://schemas.openxmlformats.org/presentationml/2006/main">
   <p:cSld>
     <p:spTree>
@@ -6816,7 +8197,7 @@
           <p:cNvPr id="2" name="Titolo 1">
             <a:extLst>
               <a:ext uri="{FF2B5EF4-FFF2-40B4-BE49-F238E27FC236}">
-                <a16:creationId xmlns:a16="http://schemas.microsoft.com/office/drawing/2014/main" id="{AE8F0231-F453-4F99-9E41-7A9ACE104BBA}"/>
+                <a16:creationId xmlns:a16="http://schemas.microsoft.com/office/drawing/2014/main" id="{49246EBD-3E81-4C1D-BF7C-B42FA0300C8E}"/>
               </a:ext>
             </a:extLst>
           </p:cNvPr>
@@ -6827,110 +8208,62 @@
             <p:ph type="title"/>
           </p:nvPr>
         </p:nvSpPr>
-        <p:spPr>
-          <a:xfrm>
-            <a:off x="2558477" y="560387"/>
-            <a:ext cx="9833548" cy="1325563"/>
-          </a:xfrm>
-        </p:spPr>
-        <p:txBody>
-          <a:bodyPr>
-            <a:normAutofit/>
-          </a:bodyPr>
-          <a:lstStyle/>
-          <a:p>
-            <a:pPr algn="ctr"/>
-            <a:r>
-              <a:rPr lang="it-IT" sz="5400" dirty="0">
-                <a:solidFill>
-                  <a:srgbClr val="FF0000"/>
-                </a:solidFill>
-                <a:effectLst>
-                  <a:outerShdw blurRad="38100" dist="38100" dir="2700000" algn="tl">
-                    <a:srgbClr val="000000">
-                      <a:alpha val="43137"/>
-                    </a:srgbClr>
-                  </a:outerShdw>
-                </a:effectLst>
-              </a:rPr>
-              <a:t>Modello del 4° ordine</a:t>
-            </a:r>
-          </a:p>
-        </p:txBody>
-      </p:sp>
-      <p:pic>
-        <p:nvPicPr>
-          <p:cNvPr id="5" name="Segnaposto contenuto 4" descr="Immagine che contiene screenshot&#10;&#10;Descrizione generata automaticamente">
+        <p:spPr/>
+        <p:txBody>
+          <a:bodyPr/>
+          <a:lstStyle/>
+          <a:p>
+            <a:r>
+              <a:rPr lang="it-IT" dirty="0"/>
+              <a:t>Primo approccio: </a:t>
+            </a:r>
+            <a:br>
+              <a:rPr lang="it-IT" dirty="0"/>
+            </a:br>
+            <a:r>
+              <a:rPr lang="it-IT" dirty="0"/>
+              <a:t>modelli polinomiali </a:t>
+            </a:r>
+          </a:p>
+        </p:txBody>
+      </p:sp>
+      <p:sp>
+        <p:nvSpPr>
+          <p:cNvPr id="3" name="Segnaposto testo 2">
             <a:extLst>
               <a:ext uri="{FF2B5EF4-FFF2-40B4-BE49-F238E27FC236}">
-                <a16:creationId xmlns:a16="http://schemas.microsoft.com/office/drawing/2014/main" id="{91397C7E-15F8-4267-AAA1-1CFF8B06E502}"/>
+                <a16:creationId xmlns:a16="http://schemas.microsoft.com/office/drawing/2014/main" id="{77830DD8-81AD-42B2-B97B-978540908671}"/>
               </a:ext>
             </a:extLst>
           </p:cNvPr>
-          <p:cNvPicPr>
-            <a:picLocks noGrp="1" noChangeAspect="1"/>
-          </p:cNvPicPr>
-          <p:nvPr>
-            <p:ph idx="1"/>
-          </p:nvPr>
-        </p:nvPicPr>
-        <p:blipFill rotWithShape="1">
-          <a:blip r:embed="rId2">
-            <a:extLst>
-              <a:ext uri="{28A0092B-C50C-407E-A947-70E740481C1C}">
-                <a14:useLocalDpi xmlns:a14="http://schemas.microsoft.com/office/drawing/2010/main" val="0"/>
-              </a:ext>
-            </a:extLst>
-          </a:blip>
-          <a:srcRect l="748" t="20910" r="-388" b="-730"/>
-          <a:stretch/>
-        </p:blipFill>
-        <p:spPr>
-          <a:xfrm>
-            <a:off x="249975" y="1687077"/>
-            <a:ext cx="8289747" cy="1429186"/>
-          </a:xfrm>
-        </p:spPr>
-      </p:pic>
-      <p:pic>
-        <p:nvPicPr>
-          <p:cNvPr id="17" name="Immagine 16" descr="Immagine che contiene mappa, testo&#10;&#10;Descrizione generata automaticamente">
-            <a:extLst>
-              <a:ext uri="{FF2B5EF4-FFF2-40B4-BE49-F238E27FC236}">
-                <a16:creationId xmlns:a16="http://schemas.microsoft.com/office/drawing/2014/main" id="{9EA02CCF-523F-433B-9631-E63880985054}"/>
-              </a:ext>
-            </a:extLst>
-          </p:cNvPr>
-          <p:cNvPicPr>
-            <a:picLocks noChangeAspect="1"/>
-          </p:cNvPicPr>
-          <p:nvPr/>
-        </p:nvPicPr>
-        <p:blipFill rotWithShape="1">
-          <a:blip r:embed="rId3">
-            <a:extLst>
-              <a:ext uri="{28A0092B-C50C-407E-A947-70E740481C1C}">
-                <a14:useLocalDpi xmlns:a14="http://schemas.microsoft.com/office/drawing/2010/main" val="0"/>
-              </a:ext>
-            </a:extLst>
-          </a:blip>
-          <a:srcRect t="6980"/>
-          <a:stretch/>
-        </p:blipFill>
-        <p:spPr>
-          <a:xfrm>
-            <a:off x="3682183" y="2556407"/>
-            <a:ext cx="8259842" cy="4006318"/>
-          </a:xfrm>
-          <a:prstGeom prst="rect">
-            <a:avLst/>
-          </a:prstGeom>
-        </p:spPr>
-      </p:pic>
+          <p:cNvSpPr>
+            <a:spLocks noGrp="1"/>
+          </p:cNvSpPr>
+          <p:nvPr>
+            <p:ph type="body" sz="half" idx="2"/>
+          </p:nvPr>
+        </p:nvSpPr>
+        <p:spPr>
+          <a:xfrm>
+            <a:off x="614892" y="2668058"/>
+            <a:ext cx="10130516" cy="999067"/>
+          </a:xfrm>
+        </p:spPr>
+        <p:txBody>
+          <a:bodyPr/>
+          <a:lstStyle/>
+          <a:p>
+            <a:r>
+              <a:rPr lang="it-IT" dirty="0"/>
+              <a:t>In prima analisi abbiamo tentato con modelli polinomiali di vario ordine. </a:t>
+            </a:r>
+          </a:p>
+        </p:txBody>
+      </p:sp>
     </p:spTree>
     <p:extLst>
       <p:ext uri="{BB962C8B-B14F-4D97-AF65-F5344CB8AC3E}">
-        <p14:creationId xmlns:p14="http://schemas.microsoft.com/office/powerpoint/2010/main" val="2476505781"/>
+        <p14:creationId xmlns:p14="http://schemas.microsoft.com/office/powerpoint/2010/main" val="1011076102"/>
       </p:ext>
     </p:extLst>
   </p:cSld>
@@ -6940,7 +8273,7 @@
 </p:sld>
 </file>
 
-<file path=ppt/slides/slide5.xml><?xml version="1.0" encoding="utf-8"?>
+<file path=ppt/slides/slide6.xml><?xml version="1.0" encoding="utf-8"?>
 <p:sld xmlns:a="http://schemas.openxmlformats.org/drawingml/2006/main" xmlns:r="http://schemas.openxmlformats.org/officeDocument/2006/relationships" xmlns:p="http://schemas.openxmlformats.org/presentationml/2006/main">
   <p:cSld>
     <p:bg>
@@ -7230,6 +8563,41 @@
           </a:p>
         </p:txBody>
       </p:sp>
+      <p:sp>
+        <p:nvSpPr>
+          <p:cNvPr id="3" name="CasellaDiTesto 2">
+            <a:extLst>
+              <a:ext uri="{FF2B5EF4-FFF2-40B4-BE49-F238E27FC236}">
+                <a16:creationId xmlns:a16="http://schemas.microsoft.com/office/drawing/2014/main" id="{30CCFDD7-4A43-4E06-B76C-8583185DC23C}"/>
+              </a:ext>
+            </a:extLst>
+          </p:cNvPr>
+          <p:cNvSpPr txBox="1"/>
+          <p:nvPr/>
+        </p:nvSpPr>
+        <p:spPr>
+          <a:xfrm>
+            <a:off x="1266824" y="5847936"/>
+            <a:ext cx="9658350" cy="369332"/>
+          </a:xfrm>
+          <a:prstGeom prst="rect">
+            <a:avLst/>
+          </a:prstGeom>
+          <a:noFill/>
+        </p:spPr>
+        <p:txBody>
+          <a:bodyPr wrap="square" rtlCol="0">
+            <a:spAutoFit/>
+          </a:bodyPr>
+          <a:lstStyle/>
+          <a:p>
+            <a:r>
+              <a:rPr lang="it-IT" dirty="0"/>
+              <a:t>I modelli di ordine superiore al quarto tendono a overfittare i dati di identificazione</a:t>
+            </a:r>
+          </a:p>
+        </p:txBody>
+      </p:sp>
     </p:spTree>
     <p:extLst>
       <p:ext uri="{BB962C8B-B14F-4D97-AF65-F5344CB8AC3E}">
@@ -7243,7 +8611,7 @@
 </p:sld>
 </file>
 
-<file path=ppt/slides/slide6.xml><?xml version="1.0" encoding="utf-8"?>
+<file path=ppt/slides/slide7.xml><?xml version="1.0" encoding="utf-8"?>
 <p:sld xmlns:a="http://schemas.openxmlformats.org/drawingml/2006/main" xmlns:r="http://schemas.openxmlformats.org/officeDocument/2006/relationships" xmlns:p="http://schemas.openxmlformats.org/presentationml/2006/main">
   <p:cSld>
     <p:spTree>
@@ -7260,12 +8628,175 @@
           <a:chExt cx="0" cy="0"/>
         </a:xfrm>
       </p:grpSpPr>
+      <p:sp>
+        <p:nvSpPr>
+          <p:cNvPr id="2" name="Titolo 1">
+            <a:extLst>
+              <a:ext uri="{FF2B5EF4-FFF2-40B4-BE49-F238E27FC236}">
+                <a16:creationId xmlns:a16="http://schemas.microsoft.com/office/drawing/2014/main" id="{AE8F0231-F453-4F99-9E41-7A9ACE104BBA}"/>
+              </a:ext>
+            </a:extLst>
+          </p:cNvPr>
+          <p:cNvSpPr>
+            <a:spLocks noGrp="1"/>
+          </p:cNvSpPr>
+          <p:nvPr>
+            <p:ph type="title"/>
+          </p:nvPr>
+        </p:nvSpPr>
+        <p:spPr>
+          <a:xfrm>
+            <a:off x="864901" y="1122362"/>
+            <a:ext cx="9833548" cy="1325563"/>
+          </a:xfrm>
+        </p:spPr>
+        <p:txBody>
+          <a:bodyPr>
+            <a:normAutofit/>
+          </a:bodyPr>
+          <a:lstStyle/>
+          <a:p>
+            <a:pPr algn="ctr"/>
+            <a:r>
+              <a:rPr lang="it-IT" sz="5400" dirty="0">
+                <a:solidFill>
+                  <a:srgbClr val="FF0000"/>
+                </a:solidFill>
+                <a:effectLst>
+                  <a:outerShdw blurRad="38100" dist="38100" dir="2700000" algn="tl">
+                    <a:srgbClr val="000000">
+                      <a:alpha val="43137"/>
+                    </a:srgbClr>
+                  </a:outerShdw>
+                </a:effectLst>
+              </a:rPr>
+              <a:t>Modello del 4° ordine</a:t>
+            </a:r>
+          </a:p>
+        </p:txBody>
+      </p:sp>
       <p:pic>
         <p:nvPicPr>
-          <p:cNvPr id="7" name="Immagine 6" descr="Immagine che contiene screenshot&#10;&#10;Descrizione generata automaticamente">
+          <p:cNvPr id="9" name="Immagine 8" descr="Immagine che contiene screenshot&#10;&#10;Descrizione generata automaticamente">
             <a:extLst>
               <a:ext uri="{FF2B5EF4-FFF2-40B4-BE49-F238E27FC236}">
-                <a16:creationId xmlns:a16="http://schemas.microsoft.com/office/drawing/2014/main" id="{FE1E02CC-2D8A-413D-B6E4-5DF9B416C0CF}"/>
+                <a16:creationId xmlns:a16="http://schemas.microsoft.com/office/drawing/2014/main" id="{A28A029B-1882-4BCB-B3F6-A9C4B7D5E6B5}"/>
+              </a:ext>
+            </a:extLst>
+          </p:cNvPr>
+          <p:cNvPicPr>
+            <a:picLocks noChangeAspect="1"/>
+          </p:cNvPicPr>
+          <p:nvPr/>
+        </p:nvPicPr>
+        <p:blipFill>
+          <a:blip r:embed="rId2">
+            <a:extLst>
+              <a:ext uri="{28A0092B-C50C-407E-A947-70E740481C1C}">
+                <a14:useLocalDpi xmlns:a14="http://schemas.microsoft.com/office/drawing/2010/main" val="0"/>
+              </a:ext>
+            </a:extLst>
+          </a:blip>
+          <a:stretch>
+            <a:fillRect/>
+          </a:stretch>
+        </p:blipFill>
+        <p:spPr>
+          <a:xfrm>
+            <a:off x="1468090" y="2672818"/>
+            <a:ext cx="8926171" cy="2362530"/>
+          </a:xfrm>
+          <a:prstGeom prst="rect">
+            <a:avLst/>
+          </a:prstGeom>
+        </p:spPr>
+      </p:pic>
+    </p:spTree>
+    <p:extLst>
+      <p:ext uri="{BB962C8B-B14F-4D97-AF65-F5344CB8AC3E}">
+        <p14:creationId xmlns:p14="http://schemas.microsoft.com/office/powerpoint/2010/main" val="2476505781"/>
+      </p:ext>
+    </p:extLst>
+  </p:cSld>
+  <p:clrMapOvr>
+    <a:masterClrMapping/>
+  </p:clrMapOvr>
+</p:sld>
+</file>
+
+<file path=ppt/slides/slide8.xml><?xml version="1.0" encoding="utf-8"?>
+<p:sld xmlns:a="http://schemas.openxmlformats.org/drawingml/2006/main" xmlns:r="http://schemas.openxmlformats.org/officeDocument/2006/relationships" xmlns:p="http://schemas.openxmlformats.org/presentationml/2006/main">
+  <p:cSld>
+    <p:spTree>
+      <p:nvGrpSpPr>
+        <p:cNvPr id="1" name=""/>
+        <p:cNvGrpSpPr/>
+        <p:nvPr/>
+      </p:nvGrpSpPr>
+      <p:grpSpPr>
+        <a:xfrm>
+          <a:off x="0" y="0"/>
+          <a:ext cx="0" cy="0"/>
+          <a:chOff x="0" y="0"/>
+          <a:chExt cx="0" cy="0"/>
+        </a:xfrm>
+      </p:grpSpPr>
+      <p:sp>
+        <p:nvSpPr>
+          <p:cNvPr id="2" name="Titolo 1">
+            <a:extLst>
+              <a:ext uri="{FF2B5EF4-FFF2-40B4-BE49-F238E27FC236}">
+                <a16:creationId xmlns:a16="http://schemas.microsoft.com/office/drawing/2014/main" id="{6E59A392-2205-4FD1-BB0F-A71CFEB3D16F}"/>
+              </a:ext>
+            </a:extLst>
+          </p:cNvPr>
+          <p:cNvSpPr>
+            <a:spLocks noGrp="1"/>
+          </p:cNvSpPr>
+          <p:nvPr>
+            <p:ph type="title"/>
+          </p:nvPr>
+        </p:nvSpPr>
+        <p:spPr/>
+        <p:txBody>
+          <a:bodyPr/>
+          <a:lstStyle/>
+          <a:p>
+            <a:endParaRPr lang="it-IT"/>
+          </a:p>
+        </p:txBody>
+      </p:sp>
+      <p:sp>
+        <p:nvSpPr>
+          <p:cNvPr id="3" name="Segnaposto testo 2">
+            <a:extLst>
+              <a:ext uri="{FF2B5EF4-FFF2-40B4-BE49-F238E27FC236}">
+                <a16:creationId xmlns:a16="http://schemas.microsoft.com/office/drawing/2014/main" id="{833C6556-C036-47BE-BE7F-679A48ADC3C0}"/>
+              </a:ext>
+            </a:extLst>
+          </p:cNvPr>
+          <p:cNvSpPr>
+            <a:spLocks noGrp="1"/>
+          </p:cNvSpPr>
+          <p:nvPr>
+            <p:ph type="body" sz="half" idx="2"/>
+          </p:nvPr>
+        </p:nvSpPr>
+        <p:spPr/>
+        <p:txBody>
+          <a:bodyPr/>
+          <a:lstStyle/>
+          <a:p>
+            <a:endParaRPr lang="it-IT"/>
+          </a:p>
+        </p:txBody>
+      </p:sp>
+      <p:pic>
+        <p:nvPicPr>
+          <p:cNvPr id="4" name="Immagine 3" descr="Immagine che contiene mappa, testo&#10;&#10;Descrizione generata automaticamente">
+            <a:extLst>
+              <a:ext uri="{FF2B5EF4-FFF2-40B4-BE49-F238E27FC236}">
+                <a16:creationId xmlns:a16="http://schemas.microsoft.com/office/drawing/2014/main" id="{9B0CD02A-DDF4-4146-9676-12AEDDBD6A98}"/>
               </a:ext>
             </a:extLst>
           </p:cNvPr>
@@ -7282,13 +8813,13 @@
               </a:ext>
             </a:extLst>
           </a:blip>
-          <a:srcRect b="15835"/>
+          <a:srcRect t="6980"/>
           <a:stretch/>
         </p:blipFill>
         <p:spPr>
           <a:xfrm>
-            <a:off x="11377" y="1792949"/>
-            <a:ext cx="11705873" cy="1388401"/>
+            <a:off x="0" y="966478"/>
+            <a:ext cx="12192000" cy="5924550"/>
           </a:xfrm>
           <a:prstGeom prst="rect">
             <a:avLst/>
@@ -7297,34 +8828,67 @@
       </p:pic>
       <p:sp>
         <p:nvSpPr>
-          <p:cNvPr id="8" name="CasellaDiTesto 7">
+          <p:cNvPr id="5" name="Rettangolo 4">
             <a:extLst>
               <a:ext uri="{FF2B5EF4-FFF2-40B4-BE49-F238E27FC236}">
-                <a16:creationId xmlns:a16="http://schemas.microsoft.com/office/drawing/2014/main" id="{349BB811-5190-43F5-BCCB-A62C64B894CE}"/>
+                <a16:creationId xmlns:a16="http://schemas.microsoft.com/office/drawing/2014/main" id="{839FB6C4-A842-4938-A90E-48F540C57914}"/>
               </a:ext>
             </a:extLst>
           </p:cNvPr>
-          <p:cNvSpPr txBox="1"/>
+          <p:cNvSpPr/>
           <p:nvPr/>
         </p:nvSpPr>
         <p:spPr>
           <a:xfrm>
-            <a:off x="3324781" y="666677"/>
-            <a:ext cx="6261653" cy="830997"/>
+            <a:off x="0" y="6521696"/>
+            <a:ext cx="11820525" cy="369332"/>
           </a:xfrm>
           <a:prstGeom prst="rect">
             <a:avLst/>
           </a:prstGeom>
-          <a:noFill/>
-        </p:spPr>
-        <p:txBody>
-          <a:bodyPr wrap="square" rtlCol="0">
+        </p:spPr>
+        <p:txBody>
+          <a:bodyPr wrap="square">
             <a:spAutoFit/>
           </a:bodyPr>
           <a:lstStyle/>
           <a:p>
             <a:r>
-              <a:rPr lang="it-IT" sz="4800" dirty="0">
+              <a:rPr lang="it-IT" dirty="0"/>
+              <a:t>Tra i modelli polinomiali, il migliore risulta quindi essere quello di quarto ordine, dove non abbiamo overfit. </a:t>
+            </a:r>
+          </a:p>
+        </p:txBody>
+      </p:sp>
+      <p:sp>
+        <p:nvSpPr>
+          <p:cNvPr id="6" name="Rettangolo 5">
+            <a:extLst>
+              <a:ext uri="{FF2B5EF4-FFF2-40B4-BE49-F238E27FC236}">
+                <a16:creationId xmlns:a16="http://schemas.microsoft.com/office/drawing/2014/main" id="{DEDEBA17-7F97-46AE-AF59-FB1CECAD0267}"/>
+              </a:ext>
+            </a:extLst>
+          </p:cNvPr>
+          <p:cNvSpPr/>
+          <p:nvPr/>
+        </p:nvSpPr>
+        <p:spPr>
+          <a:xfrm>
+            <a:off x="334340" y="224375"/>
+            <a:ext cx="6792244" cy="646331"/>
+          </a:xfrm>
+          <a:prstGeom prst="rect">
+            <a:avLst/>
+          </a:prstGeom>
+        </p:spPr>
+        <p:txBody>
+          <a:bodyPr wrap="none">
+            <a:spAutoFit/>
+          </a:bodyPr>
+          <a:lstStyle/>
+          <a:p>
+            <a:r>
+              <a:rPr lang="it-IT" sz="3600" b="1" dirty="0">
                 <a:solidFill>
                   <a:srgbClr val="FF0000"/>
                 </a:solidFill>
@@ -7336,50 +8900,15 @@
                   </a:outerShdw>
                 </a:effectLst>
               </a:rPr>
-              <a:t>CONFRONTO SSR </a:t>
-            </a:r>
-          </a:p>
-        </p:txBody>
-      </p:sp>
-      <p:pic>
-        <p:nvPicPr>
-          <p:cNvPr id="6" name="Segnaposto contenuto 5">
-            <a:extLst>
-              <a:ext uri="{FF2B5EF4-FFF2-40B4-BE49-F238E27FC236}">
-                <a16:creationId xmlns:a16="http://schemas.microsoft.com/office/drawing/2014/main" id="{5E66F7E2-A48B-47EB-B80E-88D2B94F7B69}"/>
-              </a:ext>
-            </a:extLst>
-          </p:cNvPr>
-          <p:cNvPicPr>
-            <a:picLocks noGrp="1" noChangeAspect="1"/>
-          </p:cNvPicPr>
-          <p:nvPr>
-            <p:ph idx="1"/>
-          </p:nvPr>
-        </p:nvPicPr>
-        <p:blipFill>
-          <a:blip r:embed="rId3">
-            <a:extLst>
-              <a:ext uri="{28A0092B-C50C-407E-A947-70E740481C1C}">
-                <a14:useLocalDpi xmlns:a14="http://schemas.microsoft.com/office/drawing/2010/main" val="0"/>
-              </a:ext>
-            </a:extLst>
-          </a:blip>
-          <a:stretch>
-            <a:fillRect/>
-          </a:stretch>
-        </p:blipFill>
-        <p:spPr>
-          <a:xfrm>
-            <a:off x="2793803" y="3479944"/>
-            <a:ext cx="7323607" cy="3378056"/>
-          </a:xfrm>
-        </p:spPr>
-      </p:pic>
+              <a:t>Plot modello di quarto ordine </a:t>
+            </a:r>
+          </a:p>
+        </p:txBody>
+      </p:sp>
     </p:spTree>
     <p:extLst>
       <p:ext uri="{BB962C8B-B14F-4D97-AF65-F5344CB8AC3E}">
-        <p14:creationId xmlns:p14="http://schemas.microsoft.com/office/powerpoint/2010/main" val="3527105668"/>
+        <p14:creationId xmlns:p14="http://schemas.microsoft.com/office/powerpoint/2010/main" val="654288896"/>
       </p:ext>
     </p:extLst>
   </p:cSld>
@@ -7389,7 +8918,7 @@
 </p:sld>
 </file>
 
-<file path=ppt/slides/slide7.xml><?xml version="1.0" encoding="utf-8"?>
+<file path=ppt/slides/slide9.xml><?xml version="1.0" encoding="utf-8"?>
 <p:sld xmlns:a="http://schemas.openxmlformats.org/drawingml/2006/main" xmlns:r="http://schemas.openxmlformats.org/officeDocument/2006/relationships" xmlns:p="http://schemas.openxmlformats.org/presentationml/2006/main">
   <p:cSld>
     <p:spTree>
@@ -7528,311 +9057,6 @@
     <p:extLst>
       <p:ext uri="{BB962C8B-B14F-4D97-AF65-F5344CB8AC3E}">
         <p14:creationId xmlns:p14="http://schemas.microsoft.com/office/powerpoint/2010/main" val="1245924985"/>
-      </p:ext>
-    </p:extLst>
-  </p:cSld>
-  <p:clrMapOvr>
-    <a:masterClrMapping/>
-  </p:clrMapOvr>
-</p:sld>
-</file>
-
-<file path=ppt/slides/slide8.xml><?xml version="1.0" encoding="utf-8"?>
-<p:sld xmlns:a="http://schemas.openxmlformats.org/drawingml/2006/main" xmlns:r="http://schemas.openxmlformats.org/officeDocument/2006/relationships" xmlns:p="http://schemas.openxmlformats.org/presentationml/2006/main">
-  <p:cSld>
-    <p:spTree>
-      <p:nvGrpSpPr>
-        <p:cNvPr id="1" name=""/>
-        <p:cNvGrpSpPr/>
-        <p:nvPr/>
-      </p:nvGrpSpPr>
-      <p:grpSpPr>
-        <a:xfrm>
-          <a:off x="0" y="0"/>
-          <a:ext cx="0" cy="0"/>
-          <a:chOff x="0" y="0"/>
-          <a:chExt cx="0" cy="0"/>
-        </a:xfrm>
-      </p:grpSpPr>
-      <p:sp>
-        <p:nvSpPr>
-          <p:cNvPr id="2" name="Titolo 1">
-            <a:extLst>
-              <a:ext uri="{FF2B5EF4-FFF2-40B4-BE49-F238E27FC236}">
-                <a16:creationId xmlns:a16="http://schemas.microsoft.com/office/drawing/2014/main" id="{7E4500B8-8FCC-4C9F-8F33-70E6130EA91C}"/>
-              </a:ext>
-            </a:extLst>
-          </p:cNvPr>
-          <p:cNvSpPr>
-            <a:spLocks noGrp="1"/>
-          </p:cNvSpPr>
-          <p:nvPr>
-            <p:ph type="title"/>
-          </p:nvPr>
-        </p:nvSpPr>
-        <p:spPr>
-          <a:xfrm>
-            <a:off x="2461260" y="387978"/>
-            <a:ext cx="8778240" cy="1325563"/>
-          </a:xfrm>
-        </p:spPr>
-        <p:txBody>
-          <a:bodyPr>
-            <a:normAutofit/>
-          </a:bodyPr>
-          <a:lstStyle/>
-          <a:p>
-            <a:r>
-              <a:rPr lang="it-IT" sz="5400" dirty="0">
-                <a:solidFill>
-                  <a:srgbClr val="FF0000"/>
-                </a:solidFill>
-                <a:effectLst>
-                  <a:outerShdw blurRad="38100" dist="38100" dir="2700000" algn="tl">
-                    <a:srgbClr val="000000">
-                      <a:alpha val="43137"/>
-                    </a:srgbClr>
-                  </a:outerShdw>
-                </a:effectLst>
-              </a:rPr>
-              <a:t>Modello di Fourier</a:t>
-            </a:r>
-          </a:p>
-        </p:txBody>
-      </p:sp>
-      <p:pic>
-        <p:nvPicPr>
-          <p:cNvPr id="11" name="Segnaposto contenuto 10" descr="Immagine che contiene screenshot&#10;&#10;Descrizione generata automaticamente">
-            <a:extLst>
-              <a:ext uri="{FF2B5EF4-FFF2-40B4-BE49-F238E27FC236}">
-                <a16:creationId xmlns:a16="http://schemas.microsoft.com/office/drawing/2014/main" id="{3FC7D571-3217-4CA5-9767-01065CA434E7}"/>
-              </a:ext>
-            </a:extLst>
-          </p:cNvPr>
-          <p:cNvPicPr>
-            <a:picLocks noGrp="1" noChangeAspect="1"/>
-          </p:cNvPicPr>
-          <p:nvPr>
-            <p:ph idx="1"/>
-          </p:nvPr>
-        </p:nvPicPr>
-        <p:blipFill rotWithShape="1">
-          <a:blip r:embed="rId2">
-            <a:extLst>
-              <a:ext uri="{28A0092B-C50C-407E-A947-70E740481C1C}">
-                <a14:useLocalDpi xmlns:a14="http://schemas.microsoft.com/office/drawing/2010/main" val="0"/>
-              </a:ext>
-            </a:extLst>
-          </a:blip>
-          <a:srcRect t="8363"/>
-          <a:stretch/>
-        </p:blipFill>
-        <p:spPr>
-          <a:xfrm>
-            <a:off x="200025" y="1562100"/>
-            <a:ext cx="10820400" cy="3156702"/>
-          </a:xfrm>
-        </p:spPr>
-      </p:pic>
-      <p:pic>
-        <p:nvPicPr>
-          <p:cNvPr id="17" name="Immagine 16" descr="Immagine che contiene mappa, testo&#10;&#10;Descrizione generata automaticamente">
-            <a:extLst>
-              <a:ext uri="{FF2B5EF4-FFF2-40B4-BE49-F238E27FC236}">
-                <a16:creationId xmlns:a16="http://schemas.microsoft.com/office/drawing/2014/main" id="{2A4A82D0-2CF7-4046-933F-6E881A85D004}"/>
-              </a:ext>
-            </a:extLst>
-          </p:cNvPr>
-          <p:cNvPicPr>
-            <a:picLocks noChangeAspect="1"/>
-          </p:cNvPicPr>
-          <p:nvPr/>
-        </p:nvPicPr>
-        <p:blipFill>
-          <a:blip r:embed="rId3">
-            <a:extLst>
-              <a:ext uri="{28A0092B-C50C-407E-A947-70E740481C1C}">
-                <a14:useLocalDpi xmlns:a14="http://schemas.microsoft.com/office/drawing/2010/main" val="0"/>
-              </a:ext>
-            </a:extLst>
-          </a:blip>
-          <a:stretch>
-            <a:fillRect/>
-          </a:stretch>
-        </p:blipFill>
-        <p:spPr>
-          <a:xfrm>
-            <a:off x="6342380" y="3668779"/>
-            <a:ext cx="5537200" cy="2631637"/>
-          </a:xfrm>
-          <a:prstGeom prst="rect">
-            <a:avLst/>
-          </a:prstGeom>
-        </p:spPr>
-      </p:pic>
-    </p:spTree>
-    <p:extLst>
-      <p:ext uri="{BB962C8B-B14F-4D97-AF65-F5344CB8AC3E}">
-        <p14:creationId xmlns:p14="http://schemas.microsoft.com/office/powerpoint/2010/main" val="3254392462"/>
-      </p:ext>
-    </p:extLst>
-  </p:cSld>
-  <p:clrMapOvr>
-    <a:masterClrMapping/>
-  </p:clrMapOvr>
-</p:sld>
-</file>
-
-<file path=ppt/slides/slide9.xml><?xml version="1.0" encoding="utf-8"?>
-<p:sld xmlns:a="http://schemas.openxmlformats.org/drawingml/2006/main" xmlns:r="http://schemas.openxmlformats.org/officeDocument/2006/relationships" xmlns:p="http://schemas.openxmlformats.org/presentationml/2006/main">
-  <p:cSld>
-    <p:bg>
-      <p:bgPr>
-        <a:solidFill>
-          <a:schemeClr val="bg1"/>
-        </a:solidFill>
-        <a:effectLst/>
-      </p:bgPr>
-    </p:bg>
-    <p:spTree>
-      <p:nvGrpSpPr>
-        <p:cNvPr id="1" name=""/>
-        <p:cNvGrpSpPr/>
-        <p:nvPr/>
-      </p:nvGrpSpPr>
-      <p:grpSpPr>
-        <a:xfrm>
-          <a:off x="0" y="0"/>
-          <a:ext cx="0" cy="0"/>
-          <a:chOff x="0" y="0"/>
-          <a:chExt cx="0" cy="0"/>
-        </a:xfrm>
-      </p:grpSpPr>
-      <p:sp>
-        <p:nvSpPr>
-          <p:cNvPr id="2" name="Titolo 1">
-            <a:extLst>
-              <a:ext uri="{FF2B5EF4-FFF2-40B4-BE49-F238E27FC236}">
-                <a16:creationId xmlns:a16="http://schemas.microsoft.com/office/drawing/2014/main" id="{5B1DF2D7-AC88-4743-8E52-746112C123B2}"/>
-              </a:ext>
-            </a:extLst>
-          </p:cNvPr>
-          <p:cNvSpPr>
-            <a:spLocks noGrp="1"/>
-          </p:cNvSpPr>
-          <p:nvPr>
-            <p:ph type="title"/>
-          </p:nvPr>
-        </p:nvSpPr>
-        <p:spPr>
-          <a:xfrm>
-            <a:off x="1931132" y="675069"/>
-            <a:ext cx="11139854" cy="930447"/>
-          </a:xfrm>
-        </p:spPr>
-        <p:txBody>
-          <a:bodyPr vert="horz" lIns="91440" tIns="45720" rIns="91440" bIns="45720" rtlCol="0" anchor="b">
-            <a:normAutofit/>
-          </a:bodyPr>
-          <a:lstStyle/>
-          <a:p>
-            <a:pPr algn="ctr"/>
-            <a:r>
-              <a:rPr lang="en-US" sz="4400" dirty="0">
-                <a:solidFill>
-                  <a:srgbClr val="FF0000"/>
-                </a:solidFill>
-                <a:effectLst>
-                  <a:outerShdw blurRad="38100" dist="38100" dir="2700000" algn="tl">
-                    <a:srgbClr val="000000">
-                      <a:alpha val="43137"/>
-                    </a:srgbClr>
-                  </a:outerShdw>
-                </a:effectLst>
-              </a:rPr>
-              <a:t>Modello Fourier validazione</a:t>
-            </a:r>
-          </a:p>
-        </p:txBody>
-      </p:sp>
-      <p:pic>
-        <p:nvPicPr>
-          <p:cNvPr id="6" name="Immagine 5" descr="Immagine che contiene screenshot&#10;&#10;Descrizione generata automaticamente">
-            <a:extLst>
-              <a:ext uri="{FF2B5EF4-FFF2-40B4-BE49-F238E27FC236}">
-                <a16:creationId xmlns:a16="http://schemas.microsoft.com/office/drawing/2014/main" id="{18C30861-2421-4DBB-A2F3-CE0128A3CE03}"/>
-              </a:ext>
-            </a:extLst>
-          </p:cNvPr>
-          <p:cNvPicPr>
-            <a:picLocks noChangeAspect="1"/>
-          </p:cNvPicPr>
-          <p:nvPr/>
-        </p:nvPicPr>
-        <p:blipFill>
-          <a:blip r:embed="rId2">
-            <a:extLst>
-              <a:ext uri="{28A0092B-C50C-407E-A947-70E740481C1C}">
-                <a14:useLocalDpi xmlns:a14="http://schemas.microsoft.com/office/drawing/2010/main" val="0"/>
-              </a:ext>
-            </a:extLst>
-          </a:blip>
-          <a:stretch>
-            <a:fillRect/>
-          </a:stretch>
-        </p:blipFill>
-        <p:spPr>
-          <a:xfrm>
-            <a:off x="110266" y="1693645"/>
-            <a:ext cx="11361868" cy="1903111"/>
-          </a:xfrm>
-          <a:prstGeom prst="rect">
-            <a:avLst/>
-          </a:prstGeom>
-        </p:spPr>
-      </p:pic>
-      <p:pic>
-        <p:nvPicPr>
-          <p:cNvPr id="4" name="Segnaposto contenuto 6" descr="Immagine che contiene mappa, testo&#10;&#10;Descrizione generata automaticamente">
-            <a:extLst>
-              <a:ext uri="{FF2B5EF4-FFF2-40B4-BE49-F238E27FC236}">
-                <a16:creationId xmlns:a16="http://schemas.microsoft.com/office/drawing/2014/main" id="{183C691B-58DF-478F-903F-B06D29C2FC75}"/>
-              </a:ext>
-            </a:extLst>
-          </p:cNvPr>
-          <p:cNvPicPr>
-            <a:picLocks noGrp="1" noChangeAspect="1"/>
-          </p:cNvPicPr>
-          <p:nvPr>
-            <p:ph idx="1"/>
-          </p:nvPr>
-        </p:nvPicPr>
-        <p:blipFill>
-          <a:blip r:embed="rId3">
-            <a:extLst>
-              <a:ext uri="{28A0092B-C50C-407E-A947-70E740481C1C}">
-                <a14:useLocalDpi xmlns:a14="http://schemas.microsoft.com/office/drawing/2010/main" val="0"/>
-              </a:ext>
-            </a:extLst>
-          </a:blip>
-          <a:stretch>
-            <a:fillRect/>
-          </a:stretch>
-        </p:blipFill>
-        <p:spPr>
-          <a:xfrm>
-            <a:off x="4387836" y="3212718"/>
-            <a:ext cx="7366014" cy="3513823"/>
-          </a:xfrm>
-          <a:prstGeom prst="rect">
-            <a:avLst/>
-          </a:prstGeom>
-        </p:spPr>
-      </p:pic>
-    </p:spTree>
-    <p:extLst>
-      <p:ext uri="{BB962C8B-B14F-4D97-AF65-F5344CB8AC3E}">
-        <p14:creationId xmlns:p14="http://schemas.microsoft.com/office/powerpoint/2010/main" val="3259258532"/>
       </p:ext>
     </p:extLst>
   </p:cSld>
